--- a/proposal.pptx
+++ b/proposal.pptx
@@ -2,43 +2,40 @@
 <file path=ppt/presentation.xml><?xml version="1.0" encoding="utf-8"?>
 <p:presentation xmlns:a="http://schemas.openxmlformats.org/drawingml/2006/main" xmlns:r="http://schemas.openxmlformats.org/officeDocument/2006/relationships" xmlns:p="http://schemas.openxmlformats.org/presentationml/2006/main" strictFirstAndLastChars="0" embedTrueTypeFonts="1" saveSubsetFonts="1" autoCompressPictures="0">
   <p:sldMasterIdLst>
-    <p:sldMasterId id="2147483660" r:id="rId1"/>
+    <p:sldMasterId id="2147483648" r:id="rId1"/>
   </p:sldMasterIdLst>
   <p:notesMasterIdLst>
-    <p:notesMasterId r:id="rId9"/>
+    <p:notesMasterId r:id="rId4"/>
   </p:notesMasterIdLst>
   <p:sldIdLst>
-    <p:sldId id="256" r:id="rId2"/>
-    <p:sldId id="259" r:id="rId3"/>
-    <p:sldId id="277" r:id="rId4"/>
-    <p:sldId id="270" r:id="rId5"/>
-    <p:sldId id="262" r:id="rId6"/>
-    <p:sldId id="279" r:id="rId7"/>
-    <p:sldId id="292" r:id="rId8"/>
+    <p:sldId id="256" r:id="rId3"/>
+    <p:sldId id="259" r:id="rId5"/>
+    <p:sldId id="277" r:id="rId6"/>
+    <p:sldId id="270" r:id="rId7"/>
+    <p:sldId id="262" r:id="rId8"/>
+    <p:sldId id="279" r:id="rId9"/>
+    <p:sldId id="292" r:id="rId10"/>
   </p:sldIdLst>
   <p:sldSz cx="9144000" cy="5143500" type="screen16x9"/>
   <p:notesSz cx="6858000" cy="9144000"/>
   <p:embeddedFontLst>
     <p:embeddedFont>
-      <p:font typeface="Fira Sans Extra Condensed Medium" panose="020B0604020202020204" charset="0"/>
-      <p:regular r:id="rId10"/>
-      <p:bold r:id="rId11"/>
-      <p:italic r:id="rId12"/>
-      <p:boldItalic r:id="rId13"/>
-    </p:embeddedFont>
-    <p:embeddedFont>
-      <p:font typeface="Fira Sans Extra Condensed SemiBold" panose="020B0604020202020204" charset="0"/>
+      <p:font panose="020B0604020202020204" charset="0"/>
       <p:regular r:id="rId14"/>
       <p:bold r:id="rId15"/>
       <p:italic r:id="rId16"/>
       <p:boldItalic r:id="rId17"/>
-    </p:embeddedFont>
-    <p:embeddedFont>
-      <p:font typeface="Roboto" panose="02000000000000000000" pitchFamily="2" charset="0"/>
       <p:regular r:id="rId18"/>
       <p:bold r:id="rId19"/>
       <p:italic r:id="rId20"/>
       <p:boldItalic r:id="rId21"/>
+    </p:embeddedFont>
+    <p:embeddedFont>
+      <p:font typeface="Roboto" panose="02000000000000000000" pitchFamily="2" charset="0"/>
+      <p:regular r:id="rId22"/>
+      <p:bold r:id="rId23"/>
+      <p:italic r:id="rId24"/>
+      <p:boldItalic r:id="rId25"/>
     </p:embeddedFont>
   </p:embeddedFontLst>
   <p:defaultTextStyle>
@@ -474,9 +471,7 @@
               <a:defRPr sz="1100"/>
             </a:lvl9pPr>
           </a:lstStyle>
-          <a:p>
-            <a:endParaRPr/>
-          </a:p>
+          <a:p/>
         </p:txBody>
       </p:sp>
     </p:spTree>
@@ -715,7 +710,7 @@
 </file>
 
 <file path=ppt/notesSlides/notesSlide1.xml><?xml version="1.0" encoding="utf-8"?>
-<p:notes xmlns:a="http://schemas.openxmlformats.org/drawingml/2006/main" xmlns:r="http://schemas.openxmlformats.org/officeDocument/2006/relationships" xmlns:p="http://schemas.openxmlformats.org/presentationml/2006/main" showMasterSp="0" showMasterPhAnim="0">
+<p:notes xmlns:a="http://schemas.openxmlformats.org/drawingml/2006/main" xmlns:r="http://schemas.openxmlformats.org/officeDocument/2006/relationships" xmlns:p="http://schemas.openxmlformats.org/presentationml/2006/main" showMasterPhAnim="0" showMasterSp="0">
   <p:cSld>
     <p:spTree>
       <p:nvGrpSpPr>
@@ -806,7 +801,6 @@
               </a:spcAft>
               <a:buNone/>
             </a:pPr>
-            <a:endParaRPr/>
           </a:p>
         </p:txBody>
       </p:sp>
@@ -819,7 +813,7 @@
 </file>
 
 <file path=ppt/notesSlides/notesSlide2.xml><?xml version="1.0" encoding="utf-8"?>
-<p:notes xmlns:a="http://schemas.openxmlformats.org/drawingml/2006/main" xmlns:r="http://schemas.openxmlformats.org/officeDocument/2006/relationships" xmlns:p="http://schemas.openxmlformats.org/presentationml/2006/main" showMasterSp="0" showMasterPhAnim="0">
+<p:notes xmlns:a="http://schemas.openxmlformats.org/drawingml/2006/main" xmlns:r="http://schemas.openxmlformats.org/officeDocument/2006/relationships" xmlns:p="http://schemas.openxmlformats.org/presentationml/2006/main" showMasterPhAnim="0" showMasterSp="0">
   <p:cSld>
     <p:spTree>
       <p:nvGrpSpPr>
@@ -910,7 +904,6 @@
               </a:spcAft>
               <a:buNone/>
             </a:pPr>
-            <a:endParaRPr/>
           </a:p>
         </p:txBody>
       </p:sp>
@@ -923,7 +916,7 @@
 </file>
 
 <file path=ppt/notesSlides/notesSlide3.xml><?xml version="1.0" encoding="utf-8"?>
-<p:notes xmlns:a="http://schemas.openxmlformats.org/drawingml/2006/main" xmlns:r="http://schemas.openxmlformats.org/officeDocument/2006/relationships" xmlns:p="http://schemas.openxmlformats.org/presentationml/2006/main" showMasterSp="0" showMasterPhAnim="0">
+<p:notes xmlns:a="http://schemas.openxmlformats.org/drawingml/2006/main" xmlns:r="http://schemas.openxmlformats.org/officeDocument/2006/relationships" xmlns:p="http://schemas.openxmlformats.org/presentationml/2006/main" showMasterPhAnim="0" showMasterSp="0">
   <p:cSld>
     <p:spTree>
       <p:nvGrpSpPr>
@@ -1014,7 +1007,6 @@
               </a:spcAft>
               <a:buNone/>
             </a:pPr>
-            <a:endParaRPr/>
           </a:p>
         </p:txBody>
       </p:sp>
@@ -1027,7 +1019,7 @@
 </file>
 
 <file path=ppt/notesSlides/notesSlide4.xml><?xml version="1.0" encoding="utf-8"?>
-<p:notes xmlns:a="http://schemas.openxmlformats.org/drawingml/2006/main" xmlns:r="http://schemas.openxmlformats.org/officeDocument/2006/relationships" xmlns:p="http://schemas.openxmlformats.org/presentationml/2006/main" showMasterSp="0" showMasterPhAnim="0">
+<p:notes xmlns:a="http://schemas.openxmlformats.org/drawingml/2006/main" xmlns:r="http://schemas.openxmlformats.org/officeDocument/2006/relationships" xmlns:p="http://schemas.openxmlformats.org/presentationml/2006/main" showMasterPhAnim="0" showMasterSp="0">
   <p:cSld>
     <p:spTree>
       <p:nvGrpSpPr>
@@ -1118,7 +1110,6 @@
               </a:spcAft>
               <a:buNone/>
             </a:pPr>
-            <a:endParaRPr/>
           </a:p>
         </p:txBody>
       </p:sp>
@@ -1131,7 +1122,7 @@
 </file>
 
 <file path=ppt/notesSlides/notesSlide5.xml><?xml version="1.0" encoding="utf-8"?>
-<p:notes xmlns:a="http://schemas.openxmlformats.org/drawingml/2006/main" xmlns:r="http://schemas.openxmlformats.org/officeDocument/2006/relationships" xmlns:p="http://schemas.openxmlformats.org/presentationml/2006/main" showMasterSp="0" showMasterPhAnim="0">
+<p:notes xmlns:a="http://schemas.openxmlformats.org/drawingml/2006/main" xmlns:r="http://schemas.openxmlformats.org/officeDocument/2006/relationships" xmlns:p="http://schemas.openxmlformats.org/presentationml/2006/main" showMasterPhAnim="0" showMasterSp="0">
   <p:cSld>
     <p:spTree>
       <p:nvGrpSpPr>
@@ -1222,7 +1213,6 @@
               </a:spcAft>
               <a:buNone/>
             </a:pPr>
-            <a:endParaRPr/>
           </a:p>
         </p:txBody>
       </p:sp>
@@ -1235,7 +1225,7 @@
 </file>
 
 <file path=ppt/notesSlides/notesSlide6.xml><?xml version="1.0" encoding="utf-8"?>
-<p:notes xmlns:a="http://schemas.openxmlformats.org/drawingml/2006/main" xmlns:r="http://schemas.openxmlformats.org/officeDocument/2006/relationships" xmlns:p="http://schemas.openxmlformats.org/presentationml/2006/main" showMasterSp="0" showMasterPhAnim="0">
+<p:notes xmlns:a="http://schemas.openxmlformats.org/drawingml/2006/main" xmlns:r="http://schemas.openxmlformats.org/officeDocument/2006/relationships" xmlns:p="http://schemas.openxmlformats.org/presentationml/2006/main" showMasterPhAnim="0" showMasterSp="0">
   <p:cSld>
     <p:spTree>
       <p:nvGrpSpPr>
@@ -1326,7 +1316,6 @@
               </a:spcAft>
               <a:buNone/>
             </a:pPr>
-            <a:endParaRPr/>
           </a:p>
         </p:txBody>
       </p:sp>
@@ -1339,7 +1328,7 @@
 </file>
 
 <file path=ppt/slideLayouts/slideLayout1.xml><?xml version="1.0" encoding="utf-8"?>
-<p:sldLayout xmlns:a="http://schemas.openxmlformats.org/drawingml/2006/main" xmlns:r="http://schemas.openxmlformats.org/officeDocument/2006/relationships" xmlns:p="http://schemas.openxmlformats.org/presentationml/2006/main" matchingName="Title slide" type="title">
+<p:sldLayout xmlns:a="http://schemas.openxmlformats.org/drawingml/2006/main" xmlns:r="http://schemas.openxmlformats.org/officeDocument/2006/relationships" xmlns:p="http://schemas.openxmlformats.org/presentationml/2006/main" type="title" matchingName="Title slide">
   <p:cSld name="TITLE">
     <p:spTree>
       <p:nvGrpSpPr>
@@ -1479,9 +1468,7 @@
               <a:defRPr sz="5200"/>
             </a:lvl9pPr>
           </a:lstStyle>
-          <a:p>
-            <a:endParaRPr/>
-          </a:p>
+          <a:p/>
         </p:txBody>
       </p:sp>
       <p:sp>
@@ -1635,9 +1622,7 @@
               <a:defRPr sz="2800"/>
             </a:lvl9pPr>
           </a:lstStyle>
-          <a:p>
-            <a:endParaRPr/>
-          </a:p>
+          <a:p/>
         </p:txBody>
       </p:sp>
     </p:spTree>
@@ -1698,7 +1683,7 @@
               </a:spcAft>
               <a:buSzPts val="12000"/>
               <a:buNone/>
-              <a:defRPr sz="12001"/>
+              <a:defRPr sz="12000"/>
             </a:lvl1pPr>
             <a:lvl2pPr lvl="1" algn="ctr">
               <a:spcBef>
@@ -1709,7 +1694,7 @@
               </a:spcAft>
               <a:buSzPts val="12000"/>
               <a:buNone/>
-              <a:defRPr sz="12001"/>
+              <a:defRPr sz="12000"/>
             </a:lvl2pPr>
             <a:lvl3pPr lvl="2" algn="ctr">
               <a:spcBef>
@@ -1720,7 +1705,7 @@
               </a:spcAft>
               <a:buSzPts val="12000"/>
               <a:buNone/>
-              <a:defRPr sz="12001"/>
+              <a:defRPr sz="12000"/>
             </a:lvl3pPr>
             <a:lvl4pPr lvl="3" algn="ctr">
               <a:spcBef>
@@ -1731,7 +1716,7 @@
               </a:spcAft>
               <a:buSzPts val="12000"/>
               <a:buNone/>
-              <a:defRPr sz="12001"/>
+              <a:defRPr sz="12000"/>
             </a:lvl4pPr>
             <a:lvl5pPr lvl="4" algn="ctr">
               <a:spcBef>
@@ -1742,7 +1727,7 @@
               </a:spcAft>
               <a:buSzPts val="12000"/>
               <a:buNone/>
-              <a:defRPr sz="12001"/>
+              <a:defRPr sz="12000"/>
             </a:lvl5pPr>
             <a:lvl6pPr lvl="5" algn="ctr">
               <a:spcBef>
@@ -1753,7 +1738,7 @@
               </a:spcAft>
               <a:buSzPts val="12000"/>
               <a:buNone/>
-              <a:defRPr sz="12001"/>
+              <a:defRPr sz="12000"/>
             </a:lvl6pPr>
             <a:lvl7pPr lvl="6" algn="ctr">
               <a:spcBef>
@@ -1764,7 +1749,7 @@
               </a:spcAft>
               <a:buSzPts val="12000"/>
               <a:buNone/>
-              <a:defRPr sz="12001"/>
+              <a:defRPr sz="12000"/>
             </a:lvl7pPr>
             <a:lvl8pPr lvl="7" algn="ctr">
               <a:spcBef>
@@ -1775,7 +1760,7 @@
               </a:spcAft>
               <a:buSzPts val="12000"/>
               <a:buNone/>
-              <a:defRPr sz="12001"/>
+              <a:defRPr sz="12000"/>
             </a:lvl8pPr>
             <a:lvl9pPr lvl="8" algn="ctr">
               <a:spcBef>
@@ -1786,7 +1771,7 @@
               </a:spcAft>
               <a:buSzPts val="12000"/>
               <a:buNone/>
-              <a:defRPr sz="12001"/>
+              <a:defRPr sz="12000"/>
             </a:lvl9pPr>
           </a:lstStyle>
           <a:p>
@@ -1820,7 +1805,7 @@
             <a:noAutofit/>
           </a:bodyPr>
           <a:lstStyle>
-            <a:lvl1pPr marL="457232" lvl="0" indent="-342924" algn="ctr">
+            <a:lvl1pPr marL="457200" lvl="0" indent="-342900" algn="ctr">
               <a:spcBef>
                 <a:spcPts val="0"/>
               </a:spcBef>
@@ -1831,7 +1816,7 @@
               <a:buChar char="●"/>
               <a:defRPr/>
             </a:lvl1pPr>
-            <a:lvl2pPr marL="914464" lvl="1" indent="-317522" algn="ctr">
+            <a:lvl2pPr marL="914400" lvl="1" indent="-317500" algn="ctr">
               <a:spcBef>
                 <a:spcPts val="1600"/>
               </a:spcBef>
@@ -1842,7 +1827,7 @@
               <a:buChar char="○"/>
               <a:defRPr/>
             </a:lvl2pPr>
-            <a:lvl3pPr marL="1371694" lvl="2" indent="-317522" algn="ctr">
+            <a:lvl3pPr marL="1371600" lvl="2" indent="-317500" algn="ctr">
               <a:spcBef>
                 <a:spcPts val="1600"/>
               </a:spcBef>
@@ -1853,7 +1838,7 @@
               <a:buChar char="■"/>
               <a:defRPr/>
             </a:lvl3pPr>
-            <a:lvl4pPr marL="1828925" lvl="3" indent="-317522" algn="ctr">
+            <a:lvl4pPr marL="1828800" lvl="3" indent="-317500" algn="ctr">
               <a:spcBef>
                 <a:spcPts val="1600"/>
               </a:spcBef>
@@ -1864,7 +1849,7 @@
               <a:buChar char="●"/>
               <a:defRPr/>
             </a:lvl4pPr>
-            <a:lvl5pPr marL="2286157" lvl="4" indent="-317522" algn="ctr">
+            <a:lvl5pPr marL="2286000" lvl="4" indent="-317500" algn="ctr">
               <a:spcBef>
                 <a:spcPts val="1600"/>
               </a:spcBef>
@@ -1875,7 +1860,7 @@
               <a:buChar char="○"/>
               <a:defRPr/>
             </a:lvl5pPr>
-            <a:lvl6pPr marL="2743389" lvl="5" indent="-317522" algn="ctr">
+            <a:lvl6pPr marL="2743200" lvl="5" indent="-317500" algn="ctr">
               <a:spcBef>
                 <a:spcPts val="1600"/>
               </a:spcBef>
@@ -1886,7 +1871,7 @@
               <a:buChar char="■"/>
               <a:defRPr/>
             </a:lvl6pPr>
-            <a:lvl7pPr marL="3200620" lvl="6" indent="-317522" algn="ctr">
+            <a:lvl7pPr marL="3200400" lvl="6" indent="-317500" algn="ctr">
               <a:spcBef>
                 <a:spcPts val="1600"/>
               </a:spcBef>
@@ -1897,7 +1882,7 @@
               <a:buChar char="●"/>
               <a:defRPr/>
             </a:lvl7pPr>
-            <a:lvl8pPr marL="3657852" lvl="7" indent="-317522" algn="ctr">
+            <a:lvl8pPr marL="3657600" lvl="7" indent="-317500" algn="ctr">
               <a:spcBef>
                 <a:spcPts val="1600"/>
               </a:spcBef>
@@ -1908,7 +1893,7 @@
               <a:buChar char="○"/>
               <a:defRPr/>
             </a:lvl8pPr>
-            <a:lvl9pPr marL="4115083" lvl="8" indent="-317522" algn="ctr">
+            <a:lvl9pPr marL="4114800" lvl="8" indent="-317500" algn="ctr">
               <a:spcBef>
                 <a:spcPts val="1600"/>
               </a:spcBef>
@@ -1920,9 +1905,7 @@
               <a:defRPr/>
             </a:lvl9pPr>
           </a:lstStyle>
-          <a:p>
-            <a:endParaRPr/>
-          </a:p>
+          <a:p/>
         </p:txBody>
       </p:sp>
       <p:sp>
@@ -1992,11 +1975,9 @@
           </a:lstStyle>
           <a:p>
             <a:fld id="{00000000-1234-1234-1234-123412341234}" type="slidenum">
-              <a:rPr lang="en" smtClean="0"/>
-              <a:pPr/>
-              <a:t>‹#›</a:t>
+              <a:rPr lang="en-GB" smtClean="0"/>
             </a:fld>
-            <a:endParaRPr lang="en"/>
+            <a:endParaRPr lang="en-GB"/>
           </a:p>
         </p:txBody>
       </p:sp>
@@ -2009,7 +1990,7 @@
 </file>
 
 <file path=ppt/slideLayouts/slideLayout11.xml><?xml version="1.0" encoding="utf-8"?>
-<p:sldLayout xmlns:a="http://schemas.openxmlformats.org/drawingml/2006/main" xmlns:r="http://schemas.openxmlformats.org/officeDocument/2006/relationships" xmlns:p="http://schemas.openxmlformats.org/presentationml/2006/main" matchingName="Blank" type="blank">
+<p:sldLayout xmlns:a="http://schemas.openxmlformats.org/drawingml/2006/main" xmlns:r="http://schemas.openxmlformats.org/officeDocument/2006/relationships" xmlns:p="http://schemas.openxmlformats.org/presentationml/2006/main" type="blank" matchingName="Blank">
   <p:cSld name="BLANK">
     <p:spTree>
       <p:nvGrpSpPr>
@@ -2092,11 +2073,9 @@
           </a:lstStyle>
           <a:p>
             <a:fld id="{00000000-1234-1234-1234-123412341234}" type="slidenum">
-              <a:rPr lang="en" smtClean="0"/>
-              <a:pPr/>
-              <a:t>‹#›</a:t>
+              <a:rPr lang="en-GB" smtClean="0"/>
             </a:fld>
-            <a:endParaRPr lang="en"/>
+            <a:endParaRPr lang="en-GB"/>
           </a:p>
         </p:txBody>
       </p:sp>
@@ -2109,7 +2088,7 @@
 </file>
 
 <file path=ppt/slideLayouts/slideLayout2.xml><?xml version="1.0" encoding="utf-8"?>
-<p:sldLayout xmlns:a="http://schemas.openxmlformats.org/drawingml/2006/main" xmlns:r="http://schemas.openxmlformats.org/officeDocument/2006/relationships" xmlns:p="http://schemas.openxmlformats.org/presentationml/2006/main" matchingName="Section header" type="secHead">
+<p:sldLayout xmlns:a="http://schemas.openxmlformats.org/drawingml/2006/main" xmlns:r="http://schemas.openxmlformats.org/officeDocument/2006/relationships" xmlns:p="http://schemas.openxmlformats.org/presentationml/2006/main" type="secHead" matchingName="Section header">
   <p:cSld name="SECTION_HEADER">
     <p:spTree>
       <p:nvGrpSpPr>
@@ -2249,9 +2228,7 @@
               <a:defRPr sz="3600"/>
             </a:lvl9pPr>
           </a:lstStyle>
-          <a:p>
-            <a:endParaRPr/>
-          </a:p>
+          <a:p/>
         </p:txBody>
       </p:sp>
       <p:sp>
@@ -2321,11 +2298,9 @@
           </a:lstStyle>
           <a:p>
             <a:fld id="{00000000-1234-1234-1234-123412341234}" type="slidenum">
-              <a:rPr lang="en" smtClean="0"/>
-              <a:pPr/>
-              <a:t>‹#›</a:t>
+              <a:rPr lang="en-GB" smtClean="0"/>
             </a:fld>
-            <a:endParaRPr lang="en"/>
+            <a:endParaRPr lang="en-GB"/>
           </a:p>
         </p:txBody>
       </p:sp>
@@ -2338,7 +2313,7 @@
 </file>
 
 <file path=ppt/slideLayouts/slideLayout3.xml><?xml version="1.0" encoding="utf-8"?>
-<p:sldLayout xmlns:a="http://schemas.openxmlformats.org/drawingml/2006/main" xmlns:r="http://schemas.openxmlformats.org/officeDocument/2006/relationships" xmlns:p="http://schemas.openxmlformats.org/presentationml/2006/main" matchingName="Title and body" type="tx">
+<p:sldLayout xmlns:a="http://schemas.openxmlformats.org/drawingml/2006/main" xmlns:r="http://schemas.openxmlformats.org/officeDocument/2006/relationships" xmlns:p="http://schemas.openxmlformats.org/presentationml/2006/main" type="tx" matchingName="Title and body">
   <p:cSld name="TITLE_AND_BODY">
     <p:spTree>
       <p:nvGrpSpPr>
@@ -2478,9 +2453,7 @@
               <a:defRPr/>
             </a:lvl9pPr>
           </a:lstStyle>
-          <a:p>
-            <a:endParaRPr/>
-          </a:p>
+          <a:p/>
         </p:txBody>
       </p:sp>
       <p:sp>
@@ -2507,7 +2480,7 @@
             <a:noAutofit/>
           </a:bodyPr>
           <a:lstStyle>
-            <a:lvl1pPr marL="457232" lvl="0" indent="-342924">
+            <a:lvl1pPr marL="457200" lvl="0" indent="-342900">
               <a:spcBef>
                 <a:spcPts val="0"/>
               </a:spcBef>
@@ -2518,7 +2491,7 @@
               <a:buChar char="●"/>
               <a:defRPr/>
             </a:lvl1pPr>
-            <a:lvl2pPr marL="914464" lvl="1" indent="-317522">
+            <a:lvl2pPr marL="914400" lvl="1" indent="-317500">
               <a:spcBef>
                 <a:spcPts val="1600"/>
               </a:spcBef>
@@ -2529,7 +2502,7 @@
               <a:buChar char="○"/>
               <a:defRPr/>
             </a:lvl2pPr>
-            <a:lvl3pPr marL="1371694" lvl="2" indent="-317522">
+            <a:lvl3pPr marL="1371600" lvl="2" indent="-317500">
               <a:spcBef>
                 <a:spcPts val="1600"/>
               </a:spcBef>
@@ -2540,7 +2513,7 @@
               <a:buChar char="■"/>
               <a:defRPr/>
             </a:lvl3pPr>
-            <a:lvl4pPr marL="1828925" lvl="3" indent="-317522">
+            <a:lvl4pPr marL="1828800" lvl="3" indent="-317500">
               <a:spcBef>
                 <a:spcPts val="1600"/>
               </a:spcBef>
@@ -2551,7 +2524,7 @@
               <a:buChar char="●"/>
               <a:defRPr/>
             </a:lvl4pPr>
-            <a:lvl5pPr marL="2286157" lvl="4" indent="-317522">
+            <a:lvl5pPr marL="2286000" lvl="4" indent="-317500">
               <a:spcBef>
                 <a:spcPts val="1600"/>
               </a:spcBef>
@@ -2562,7 +2535,7 @@
               <a:buChar char="○"/>
               <a:defRPr/>
             </a:lvl5pPr>
-            <a:lvl6pPr marL="2743389" lvl="5" indent="-317522">
+            <a:lvl6pPr marL="2743200" lvl="5" indent="-317500">
               <a:spcBef>
                 <a:spcPts val="1600"/>
               </a:spcBef>
@@ -2573,7 +2546,7 @@
               <a:buChar char="■"/>
               <a:defRPr/>
             </a:lvl6pPr>
-            <a:lvl7pPr marL="3200620" lvl="6" indent="-317522">
+            <a:lvl7pPr marL="3200400" lvl="6" indent="-317500">
               <a:spcBef>
                 <a:spcPts val="1600"/>
               </a:spcBef>
@@ -2584,7 +2557,7 @@
               <a:buChar char="●"/>
               <a:defRPr/>
             </a:lvl7pPr>
-            <a:lvl8pPr marL="3657852" lvl="7" indent="-317522">
+            <a:lvl8pPr marL="3657600" lvl="7" indent="-317500">
               <a:spcBef>
                 <a:spcPts val="1600"/>
               </a:spcBef>
@@ -2595,7 +2568,7 @@
               <a:buChar char="○"/>
               <a:defRPr/>
             </a:lvl8pPr>
-            <a:lvl9pPr marL="4115083" lvl="8" indent="-317522">
+            <a:lvl9pPr marL="4114800" lvl="8" indent="-317500">
               <a:spcBef>
                 <a:spcPts val="1600"/>
               </a:spcBef>
@@ -2607,9 +2580,7 @@
               <a:defRPr/>
             </a:lvl9pPr>
           </a:lstStyle>
-          <a:p>
-            <a:endParaRPr/>
-          </a:p>
+          <a:p/>
         </p:txBody>
       </p:sp>
       <p:sp>
@@ -2679,11 +2650,9 @@
           </a:lstStyle>
           <a:p>
             <a:fld id="{00000000-1234-1234-1234-123412341234}" type="slidenum">
-              <a:rPr lang="en" smtClean="0"/>
-              <a:pPr/>
-              <a:t>‹#›</a:t>
+              <a:rPr lang="en-GB" smtClean="0"/>
             </a:fld>
-            <a:endParaRPr lang="en"/>
+            <a:endParaRPr lang="en-GB"/>
           </a:p>
         </p:txBody>
       </p:sp>
@@ -2696,7 +2665,7 @@
 </file>
 
 <file path=ppt/slideLayouts/slideLayout4.xml><?xml version="1.0" encoding="utf-8"?>
-<p:sldLayout xmlns:a="http://schemas.openxmlformats.org/drawingml/2006/main" xmlns:r="http://schemas.openxmlformats.org/officeDocument/2006/relationships" xmlns:p="http://schemas.openxmlformats.org/presentationml/2006/main" matchingName="Title and two columns" type="twoColTx">
+<p:sldLayout xmlns:a="http://schemas.openxmlformats.org/drawingml/2006/main" xmlns:r="http://schemas.openxmlformats.org/officeDocument/2006/relationships" xmlns:p="http://schemas.openxmlformats.org/presentationml/2006/main" type="twoColTx" matchingName="Title and two columns">
   <p:cSld name="TITLE_AND_TWO_COLUMNS">
     <p:spTree>
       <p:nvGrpSpPr>
@@ -2836,9 +2805,7 @@
               <a:defRPr/>
             </a:lvl9pPr>
           </a:lstStyle>
-          <a:p>
-            <a:endParaRPr/>
-          </a:p>
+          <a:p/>
         </p:txBody>
       </p:sp>
       <p:sp>
@@ -2865,7 +2832,7 @@
             <a:noAutofit/>
           </a:bodyPr>
           <a:lstStyle>
-            <a:lvl1pPr marL="457232" lvl="0" indent="-317522">
+            <a:lvl1pPr marL="457200" lvl="0" indent="-317500">
               <a:spcBef>
                 <a:spcPts val="0"/>
               </a:spcBef>
@@ -2876,7 +2843,7 @@
               <a:buChar char="●"/>
               <a:defRPr sz="1400"/>
             </a:lvl1pPr>
-            <a:lvl2pPr marL="914464" lvl="1" indent="-304822">
+            <a:lvl2pPr marL="914400" lvl="1" indent="-304800">
               <a:spcBef>
                 <a:spcPts val="1600"/>
               </a:spcBef>
@@ -2887,7 +2854,7 @@
               <a:buChar char="○"/>
               <a:defRPr sz="1200"/>
             </a:lvl2pPr>
-            <a:lvl3pPr marL="1371694" lvl="2" indent="-304822">
+            <a:lvl3pPr marL="1371600" lvl="2" indent="-304800">
               <a:spcBef>
                 <a:spcPts val="1600"/>
               </a:spcBef>
@@ -2898,7 +2865,7 @@
               <a:buChar char="■"/>
               <a:defRPr sz="1200"/>
             </a:lvl3pPr>
-            <a:lvl4pPr marL="1828925" lvl="3" indent="-304822">
+            <a:lvl4pPr marL="1828800" lvl="3" indent="-304800">
               <a:spcBef>
                 <a:spcPts val="1600"/>
               </a:spcBef>
@@ -2909,7 +2876,7 @@
               <a:buChar char="●"/>
               <a:defRPr sz="1200"/>
             </a:lvl4pPr>
-            <a:lvl5pPr marL="2286157" lvl="4" indent="-304822">
+            <a:lvl5pPr marL="2286000" lvl="4" indent="-304800">
               <a:spcBef>
                 <a:spcPts val="1600"/>
               </a:spcBef>
@@ -2920,7 +2887,7 @@
               <a:buChar char="○"/>
               <a:defRPr sz="1200"/>
             </a:lvl5pPr>
-            <a:lvl6pPr marL="2743389" lvl="5" indent="-304822">
+            <a:lvl6pPr marL="2743200" lvl="5" indent="-304800">
               <a:spcBef>
                 <a:spcPts val="1600"/>
               </a:spcBef>
@@ -2931,7 +2898,7 @@
               <a:buChar char="■"/>
               <a:defRPr sz="1200"/>
             </a:lvl6pPr>
-            <a:lvl7pPr marL="3200620" lvl="6" indent="-304822">
+            <a:lvl7pPr marL="3200400" lvl="6" indent="-304800">
               <a:spcBef>
                 <a:spcPts val="1600"/>
               </a:spcBef>
@@ -2942,7 +2909,7 @@
               <a:buChar char="●"/>
               <a:defRPr sz="1200"/>
             </a:lvl7pPr>
-            <a:lvl8pPr marL="3657852" lvl="7" indent="-304822">
+            <a:lvl8pPr marL="3657600" lvl="7" indent="-304800">
               <a:spcBef>
                 <a:spcPts val="1600"/>
               </a:spcBef>
@@ -2953,7 +2920,7 @@
               <a:buChar char="○"/>
               <a:defRPr sz="1200"/>
             </a:lvl8pPr>
-            <a:lvl9pPr marL="4115083" lvl="8" indent="-304822">
+            <a:lvl9pPr marL="4114800" lvl="8" indent="-304800">
               <a:spcBef>
                 <a:spcPts val="1600"/>
               </a:spcBef>
@@ -2965,9 +2932,7 @@
               <a:defRPr sz="1200"/>
             </a:lvl9pPr>
           </a:lstStyle>
-          <a:p>
-            <a:endParaRPr/>
-          </a:p>
+          <a:p/>
         </p:txBody>
       </p:sp>
       <p:sp>
@@ -2994,7 +2959,7 @@
             <a:noAutofit/>
           </a:bodyPr>
           <a:lstStyle>
-            <a:lvl1pPr marL="457232" lvl="0" indent="-317522">
+            <a:lvl1pPr marL="457200" lvl="0" indent="-317500">
               <a:spcBef>
                 <a:spcPts val="0"/>
               </a:spcBef>
@@ -3005,7 +2970,7 @@
               <a:buChar char="●"/>
               <a:defRPr sz="1400"/>
             </a:lvl1pPr>
-            <a:lvl2pPr marL="914464" lvl="1" indent="-304822">
+            <a:lvl2pPr marL="914400" lvl="1" indent="-304800">
               <a:spcBef>
                 <a:spcPts val="1600"/>
               </a:spcBef>
@@ -3016,7 +2981,7 @@
               <a:buChar char="○"/>
               <a:defRPr sz="1200"/>
             </a:lvl2pPr>
-            <a:lvl3pPr marL="1371694" lvl="2" indent="-304822">
+            <a:lvl3pPr marL="1371600" lvl="2" indent="-304800">
               <a:spcBef>
                 <a:spcPts val="1600"/>
               </a:spcBef>
@@ -3027,7 +2992,7 @@
               <a:buChar char="■"/>
               <a:defRPr sz="1200"/>
             </a:lvl3pPr>
-            <a:lvl4pPr marL="1828925" lvl="3" indent="-304822">
+            <a:lvl4pPr marL="1828800" lvl="3" indent="-304800">
               <a:spcBef>
                 <a:spcPts val="1600"/>
               </a:spcBef>
@@ -3038,7 +3003,7 @@
               <a:buChar char="●"/>
               <a:defRPr sz="1200"/>
             </a:lvl4pPr>
-            <a:lvl5pPr marL="2286157" lvl="4" indent="-304822">
+            <a:lvl5pPr marL="2286000" lvl="4" indent="-304800">
               <a:spcBef>
                 <a:spcPts val="1600"/>
               </a:spcBef>
@@ -3049,7 +3014,7 @@
               <a:buChar char="○"/>
               <a:defRPr sz="1200"/>
             </a:lvl5pPr>
-            <a:lvl6pPr marL="2743389" lvl="5" indent="-304822">
+            <a:lvl6pPr marL="2743200" lvl="5" indent="-304800">
               <a:spcBef>
                 <a:spcPts val="1600"/>
               </a:spcBef>
@@ -3060,7 +3025,7 @@
               <a:buChar char="■"/>
               <a:defRPr sz="1200"/>
             </a:lvl6pPr>
-            <a:lvl7pPr marL="3200620" lvl="6" indent="-304822">
+            <a:lvl7pPr marL="3200400" lvl="6" indent="-304800">
               <a:spcBef>
                 <a:spcPts val="1600"/>
               </a:spcBef>
@@ -3071,7 +3036,7 @@
               <a:buChar char="●"/>
               <a:defRPr sz="1200"/>
             </a:lvl7pPr>
-            <a:lvl8pPr marL="3657852" lvl="7" indent="-304822">
+            <a:lvl8pPr marL="3657600" lvl="7" indent="-304800">
               <a:spcBef>
                 <a:spcPts val="1600"/>
               </a:spcBef>
@@ -3082,7 +3047,7 @@
               <a:buChar char="○"/>
               <a:defRPr sz="1200"/>
             </a:lvl8pPr>
-            <a:lvl9pPr marL="4115083" lvl="8" indent="-304822">
+            <a:lvl9pPr marL="4114800" lvl="8" indent="-304800">
               <a:spcBef>
                 <a:spcPts val="1600"/>
               </a:spcBef>
@@ -3094,9 +3059,7 @@
               <a:defRPr sz="1200"/>
             </a:lvl9pPr>
           </a:lstStyle>
-          <a:p>
-            <a:endParaRPr/>
-          </a:p>
+          <a:p/>
         </p:txBody>
       </p:sp>
       <p:sp>
@@ -3166,11 +3129,9 @@
           </a:lstStyle>
           <a:p>
             <a:fld id="{00000000-1234-1234-1234-123412341234}" type="slidenum">
-              <a:rPr lang="en" smtClean="0"/>
-              <a:pPr/>
-              <a:t>‹#›</a:t>
+              <a:rPr lang="en-GB" smtClean="0"/>
             </a:fld>
-            <a:endParaRPr lang="en"/>
+            <a:endParaRPr lang="en-GB"/>
           </a:p>
         </p:txBody>
       </p:sp>
@@ -3183,7 +3144,7 @@
 </file>
 
 <file path=ppt/slideLayouts/slideLayout5.xml><?xml version="1.0" encoding="utf-8"?>
-<p:sldLayout xmlns:a="http://schemas.openxmlformats.org/drawingml/2006/main" xmlns:r="http://schemas.openxmlformats.org/officeDocument/2006/relationships" xmlns:p="http://schemas.openxmlformats.org/presentationml/2006/main" matchingName="Title only" type="titleOnly">
+<p:sldLayout xmlns:a="http://schemas.openxmlformats.org/drawingml/2006/main" xmlns:r="http://schemas.openxmlformats.org/officeDocument/2006/relationships" xmlns:p="http://schemas.openxmlformats.org/presentationml/2006/main" type="titleOnly" matchingName="Title only">
   <p:cSld name="TITLE_ONLY">
     <p:spTree>
       <p:nvGrpSpPr>
@@ -3323,9 +3284,7 @@
               <a:defRPr/>
             </a:lvl9pPr>
           </a:lstStyle>
-          <a:p>
-            <a:endParaRPr/>
-          </a:p>
+          <a:p/>
         </p:txBody>
       </p:sp>
     </p:spTree>
@@ -3477,9 +3436,7 @@
               <a:defRPr sz="2400"/>
             </a:lvl9pPr>
           </a:lstStyle>
-          <a:p>
-            <a:endParaRPr/>
-          </a:p>
+          <a:p/>
         </p:txBody>
       </p:sp>
       <p:sp>
@@ -3506,7 +3463,7 @@
             <a:noAutofit/>
           </a:bodyPr>
           <a:lstStyle>
-            <a:lvl1pPr marL="457232" lvl="0" indent="-304822">
+            <a:lvl1pPr marL="457200" lvl="0" indent="-304800">
               <a:spcBef>
                 <a:spcPts val="0"/>
               </a:spcBef>
@@ -3517,7 +3474,7 @@
               <a:buChar char="●"/>
               <a:defRPr sz="1200"/>
             </a:lvl1pPr>
-            <a:lvl2pPr marL="914464" lvl="1" indent="-304822">
+            <a:lvl2pPr marL="914400" lvl="1" indent="-304800">
               <a:spcBef>
                 <a:spcPts val="1600"/>
               </a:spcBef>
@@ -3528,7 +3485,7 @@
               <a:buChar char="○"/>
               <a:defRPr sz="1200"/>
             </a:lvl2pPr>
-            <a:lvl3pPr marL="1371694" lvl="2" indent="-304822">
+            <a:lvl3pPr marL="1371600" lvl="2" indent="-304800">
               <a:spcBef>
                 <a:spcPts val="1600"/>
               </a:spcBef>
@@ -3539,7 +3496,7 @@
               <a:buChar char="■"/>
               <a:defRPr sz="1200"/>
             </a:lvl3pPr>
-            <a:lvl4pPr marL="1828925" lvl="3" indent="-304822">
+            <a:lvl4pPr marL="1828800" lvl="3" indent="-304800">
               <a:spcBef>
                 <a:spcPts val="1600"/>
               </a:spcBef>
@@ -3550,7 +3507,7 @@
               <a:buChar char="●"/>
               <a:defRPr sz="1200"/>
             </a:lvl4pPr>
-            <a:lvl5pPr marL="2286157" lvl="4" indent="-304822">
+            <a:lvl5pPr marL="2286000" lvl="4" indent="-304800">
               <a:spcBef>
                 <a:spcPts val="1600"/>
               </a:spcBef>
@@ -3561,7 +3518,7 @@
               <a:buChar char="○"/>
               <a:defRPr sz="1200"/>
             </a:lvl5pPr>
-            <a:lvl6pPr marL="2743389" lvl="5" indent="-304822">
+            <a:lvl6pPr marL="2743200" lvl="5" indent="-304800">
               <a:spcBef>
                 <a:spcPts val="1600"/>
               </a:spcBef>
@@ -3572,7 +3529,7 @@
               <a:buChar char="■"/>
               <a:defRPr sz="1200"/>
             </a:lvl6pPr>
-            <a:lvl7pPr marL="3200620" lvl="6" indent="-304822">
+            <a:lvl7pPr marL="3200400" lvl="6" indent="-304800">
               <a:spcBef>
                 <a:spcPts val="1600"/>
               </a:spcBef>
@@ -3583,7 +3540,7 @@
               <a:buChar char="●"/>
               <a:defRPr sz="1200"/>
             </a:lvl7pPr>
-            <a:lvl8pPr marL="3657852" lvl="7" indent="-304822">
+            <a:lvl8pPr marL="3657600" lvl="7" indent="-304800">
               <a:spcBef>
                 <a:spcPts val="1600"/>
               </a:spcBef>
@@ -3594,7 +3551,7 @@
               <a:buChar char="○"/>
               <a:defRPr sz="1200"/>
             </a:lvl8pPr>
-            <a:lvl9pPr marL="4115083" lvl="8" indent="-304822">
+            <a:lvl9pPr marL="4114800" lvl="8" indent="-304800">
               <a:spcBef>
                 <a:spcPts val="1600"/>
               </a:spcBef>
@@ -3606,9 +3563,7 @@
               <a:defRPr sz="1200"/>
             </a:lvl9pPr>
           </a:lstStyle>
-          <a:p>
-            <a:endParaRPr/>
-          </a:p>
+          <a:p/>
         </p:txBody>
       </p:sp>
       <p:sp>
@@ -3678,11 +3633,9 @@
           </a:lstStyle>
           <a:p>
             <a:fld id="{00000000-1234-1234-1234-123412341234}" type="slidenum">
-              <a:rPr lang="en" smtClean="0"/>
-              <a:pPr/>
-              <a:t>‹#›</a:t>
+              <a:rPr lang="en-GB" smtClean="0"/>
             </a:fld>
-            <a:endParaRPr lang="en"/>
+            <a:endParaRPr lang="en-GB"/>
           </a:p>
         </p:txBody>
       </p:sp>
@@ -3744,7 +3697,7 @@
               </a:spcAft>
               <a:buSzPts val="4800"/>
               <a:buNone/>
-              <a:defRPr sz="4801"/>
+              <a:defRPr sz="4800"/>
             </a:lvl1pPr>
             <a:lvl2pPr lvl="1">
               <a:spcBef>
@@ -3755,7 +3708,7 @@
               </a:spcAft>
               <a:buSzPts val="4800"/>
               <a:buNone/>
-              <a:defRPr sz="4801"/>
+              <a:defRPr sz="4800"/>
             </a:lvl2pPr>
             <a:lvl3pPr lvl="2">
               <a:spcBef>
@@ -3766,7 +3719,7 @@
               </a:spcAft>
               <a:buSzPts val="4800"/>
               <a:buNone/>
-              <a:defRPr sz="4801"/>
+              <a:defRPr sz="4800"/>
             </a:lvl3pPr>
             <a:lvl4pPr lvl="3">
               <a:spcBef>
@@ -3777,7 +3730,7 @@
               </a:spcAft>
               <a:buSzPts val="4800"/>
               <a:buNone/>
-              <a:defRPr sz="4801"/>
+              <a:defRPr sz="4800"/>
             </a:lvl4pPr>
             <a:lvl5pPr lvl="4">
               <a:spcBef>
@@ -3788,7 +3741,7 @@
               </a:spcAft>
               <a:buSzPts val="4800"/>
               <a:buNone/>
-              <a:defRPr sz="4801"/>
+              <a:defRPr sz="4800"/>
             </a:lvl5pPr>
             <a:lvl6pPr lvl="5">
               <a:spcBef>
@@ -3799,7 +3752,7 @@
               </a:spcAft>
               <a:buSzPts val="4800"/>
               <a:buNone/>
-              <a:defRPr sz="4801"/>
+              <a:defRPr sz="4800"/>
             </a:lvl6pPr>
             <a:lvl7pPr lvl="6">
               <a:spcBef>
@@ -3810,7 +3763,7 @@
               </a:spcAft>
               <a:buSzPts val="4800"/>
               <a:buNone/>
-              <a:defRPr sz="4801"/>
+              <a:defRPr sz="4800"/>
             </a:lvl7pPr>
             <a:lvl8pPr lvl="7">
               <a:spcBef>
@@ -3821,7 +3774,7 @@
               </a:spcAft>
               <a:buSzPts val="4800"/>
               <a:buNone/>
-              <a:defRPr sz="4801"/>
+              <a:defRPr sz="4800"/>
             </a:lvl8pPr>
             <a:lvl9pPr lvl="8">
               <a:spcBef>
@@ -3832,12 +3785,10 @@
               </a:spcAft>
               <a:buSzPts val="4800"/>
               <a:buNone/>
-              <a:defRPr sz="4801"/>
+              <a:defRPr sz="4800"/>
             </a:lvl9pPr>
           </a:lstStyle>
-          <a:p>
-            <a:endParaRPr/>
-          </a:p>
+          <a:p/>
         </p:txBody>
       </p:sp>
       <p:sp>
@@ -3907,11 +3858,9 @@
           </a:lstStyle>
           <a:p>
             <a:fld id="{00000000-1234-1234-1234-123412341234}" type="slidenum">
-              <a:rPr lang="en" smtClean="0"/>
-              <a:pPr/>
-              <a:t>‹#›</a:t>
+              <a:rPr lang="en-GB" smtClean="0"/>
             </a:fld>
-            <a:endParaRPr lang="en"/>
+            <a:endParaRPr lang="en-GB"/>
           </a:p>
         </p:txBody>
       </p:sp>
@@ -3976,7 +3925,7 @@
               </a:spcAft>
               <a:buNone/>
             </a:pPr>
-            <a:endParaRPr sz="1867"/>
+            <a:endParaRPr sz="1865"/>
           </a:p>
         </p:txBody>
       </p:sp>
@@ -4013,7 +3962,7 @@
               </a:spcAft>
               <a:buSzPts val="4200"/>
               <a:buNone/>
-              <a:defRPr sz="4201"/>
+              <a:defRPr sz="4200"/>
             </a:lvl1pPr>
             <a:lvl2pPr lvl="1" algn="ctr">
               <a:spcBef>
@@ -4024,7 +3973,7 @@
               </a:spcAft>
               <a:buSzPts val="4200"/>
               <a:buNone/>
-              <a:defRPr sz="4201"/>
+              <a:defRPr sz="4200"/>
             </a:lvl2pPr>
             <a:lvl3pPr lvl="2" algn="ctr">
               <a:spcBef>
@@ -4035,7 +3984,7 @@
               </a:spcAft>
               <a:buSzPts val="4200"/>
               <a:buNone/>
-              <a:defRPr sz="4201"/>
+              <a:defRPr sz="4200"/>
             </a:lvl3pPr>
             <a:lvl4pPr lvl="3" algn="ctr">
               <a:spcBef>
@@ -4046,7 +3995,7 @@
               </a:spcAft>
               <a:buSzPts val="4200"/>
               <a:buNone/>
-              <a:defRPr sz="4201"/>
+              <a:defRPr sz="4200"/>
             </a:lvl4pPr>
             <a:lvl5pPr lvl="4" algn="ctr">
               <a:spcBef>
@@ -4057,7 +4006,7 @@
               </a:spcAft>
               <a:buSzPts val="4200"/>
               <a:buNone/>
-              <a:defRPr sz="4201"/>
+              <a:defRPr sz="4200"/>
             </a:lvl5pPr>
             <a:lvl6pPr lvl="5" algn="ctr">
               <a:spcBef>
@@ -4068,7 +4017,7 @@
               </a:spcAft>
               <a:buSzPts val="4200"/>
               <a:buNone/>
-              <a:defRPr sz="4201"/>
+              <a:defRPr sz="4200"/>
             </a:lvl6pPr>
             <a:lvl7pPr lvl="6" algn="ctr">
               <a:spcBef>
@@ -4079,7 +4028,7 @@
               </a:spcAft>
               <a:buSzPts val="4200"/>
               <a:buNone/>
-              <a:defRPr sz="4201"/>
+              <a:defRPr sz="4200"/>
             </a:lvl7pPr>
             <a:lvl8pPr lvl="7" algn="ctr">
               <a:spcBef>
@@ -4090,7 +4039,7 @@
               </a:spcAft>
               <a:buSzPts val="4200"/>
               <a:buNone/>
-              <a:defRPr sz="4201"/>
+              <a:defRPr sz="4200"/>
             </a:lvl8pPr>
             <a:lvl9pPr lvl="8" algn="ctr">
               <a:spcBef>
@@ -4101,12 +4050,10 @@
               </a:spcAft>
               <a:buSzPts val="4200"/>
               <a:buNone/>
-              <a:defRPr sz="4201"/>
+              <a:defRPr sz="4200"/>
             </a:lvl9pPr>
           </a:lstStyle>
-          <a:p>
-            <a:endParaRPr/>
-          </a:p>
+          <a:p/>
         </p:txBody>
       </p:sp>
       <p:sp>
@@ -4260,9 +4207,7 @@
               <a:defRPr sz="2100"/>
             </a:lvl9pPr>
           </a:lstStyle>
-          <a:p>
-            <a:endParaRPr/>
-          </a:p>
+          <a:p/>
         </p:txBody>
       </p:sp>
       <p:sp>
@@ -4289,7 +4234,7 @@
             <a:noAutofit/>
           </a:bodyPr>
           <a:lstStyle>
-            <a:lvl1pPr marL="457232" lvl="0" indent="-342924">
+            <a:lvl1pPr marL="457200" lvl="0" indent="-342900">
               <a:spcBef>
                 <a:spcPts val="0"/>
               </a:spcBef>
@@ -4300,7 +4245,7 @@
               <a:buChar char="●"/>
               <a:defRPr/>
             </a:lvl1pPr>
-            <a:lvl2pPr marL="914464" lvl="1" indent="-317522">
+            <a:lvl2pPr marL="914400" lvl="1" indent="-317500">
               <a:spcBef>
                 <a:spcPts val="1600"/>
               </a:spcBef>
@@ -4311,7 +4256,7 @@
               <a:buChar char="○"/>
               <a:defRPr/>
             </a:lvl2pPr>
-            <a:lvl3pPr marL="1371694" lvl="2" indent="-317522">
+            <a:lvl3pPr marL="1371600" lvl="2" indent="-317500">
               <a:spcBef>
                 <a:spcPts val="1600"/>
               </a:spcBef>
@@ -4322,7 +4267,7 @@
               <a:buChar char="■"/>
               <a:defRPr/>
             </a:lvl3pPr>
-            <a:lvl4pPr marL="1828925" lvl="3" indent="-317522">
+            <a:lvl4pPr marL="1828800" lvl="3" indent="-317500">
               <a:spcBef>
                 <a:spcPts val="1600"/>
               </a:spcBef>
@@ -4333,7 +4278,7 @@
               <a:buChar char="●"/>
               <a:defRPr/>
             </a:lvl4pPr>
-            <a:lvl5pPr marL="2286157" lvl="4" indent="-317522">
+            <a:lvl5pPr marL="2286000" lvl="4" indent="-317500">
               <a:spcBef>
                 <a:spcPts val="1600"/>
               </a:spcBef>
@@ -4344,7 +4289,7 @@
               <a:buChar char="○"/>
               <a:defRPr/>
             </a:lvl5pPr>
-            <a:lvl6pPr marL="2743389" lvl="5" indent="-317522">
+            <a:lvl6pPr marL="2743200" lvl="5" indent="-317500">
               <a:spcBef>
                 <a:spcPts val="1600"/>
               </a:spcBef>
@@ -4355,7 +4300,7 @@
               <a:buChar char="■"/>
               <a:defRPr/>
             </a:lvl6pPr>
-            <a:lvl7pPr marL="3200620" lvl="6" indent="-317522">
+            <a:lvl7pPr marL="3200400" lvl="6" indent="-317500">
               <a:spcBef>
                 <a:spcPts val="1600"/>
               </a:spcBef>
@@ -4366,7 +4311,7 @@
               <a:buChar char="●"/>
               <a:defRPr/>
             </a:lvl7pPr>
-            <a:lvl8pPr marL="3657852" lvl="7" indent="-317522">
+            <a:lvl8pPr marL="3657600" lvl="7" indent="-317500">
               <a:spcBef>
                 <a:spcPts val="1600"/>
               </a:spcBef>
@@ -4377,7 +4322,7 @@
               <a:buChar char="○"/>
               <a:defRPr/>
             </a:lvl8pPr>
-            <a:lvl9pPr marL="4115083" lvl="8" indent="-317522">
+            <a:lvl9pPr marL="4114800" lvl="8" indent="-317500">
               <a:spcBef>
                 <a:spcPts val="1600"/>
               </a:spcBef>
@@ -4389,9 +4334,7 @@
               <a:defRPr/>
             </a:lvl9pPr>
           </a:lstStyle>
-          <a:p>
-            <a:endParaRPr/>
-          </a:p>
+          <a:p/>
         </p:txBody>
       </p:sp>
       <p:sp>
@@ -4461,11 +4404,9 @@
           </a:lstStyle>
           <a:p>
             <a:fld id="{00000000-1234-1234-1234-123412341234}" type="slidenum">
-              <a:rPr lang="en" smtClean="0"/>
-              <a:pPr/>
-              <a:t>‹#›</a:t>
+              <a:rPr lang="en-GB" smtClean="0"/>
             </a:fld>
-            <a:endParaRPr lang="en"/>
+            <a:endParaRPr lang="en-GB"/>
           </a:p>
         </p:txBody>
       </p:sp>
@@ -4518,7 +4459,7 @@
             <a:noAutofit/>
           </a:bodyPr>
           <a:lstStyle>
-            <a:lvl1pPr marL="457232" lvl="0" indent="-228615">
+            <a:lvl1pPr marL="457200" lvl="0" indent="-228600">
               <a:lnSpc>
                 <a:spcPct val="100000"/>
               </a:lnSpc>
@@ -4533,9 +4474,7 @@
               <a:defRPr/>
             </a:lvl1pPr>
           </a:lstStyle>
-          <a:p>
-            <a:endParaRPr/>
-          </a:p>
+          <a:p/>
         </p:txBody>
       </p:sp>
       <p:sp>
@@ -4605,11 +4544,9 @@
           </a:lstStyle>
           <a:p>
             <a:fld id="{00000000-1234-1234-1234-123412341234}" type="slidenum">
-              <a:rPr lang="en" smtClean="0"/>
-              <a:pPr/>
-              <a:t>‹#›</a:t>
+              <a:rPr lang="en-GB" smtClean="0"/>
             </a:fld>
-            <a:endParaRPr lang="en"/>
+            <a:endParaRPr lang="en-GB"/>
           </a:p>
         </p:txBody>
       </p:sp>
@@ -4623,7 +4560,7 @@
 
 <file path=ppt/slideMasters/slideMaster1.xml><?xml version="1.0" encoding="utf-8"?>
 <p:sldMaster xmlns:a="http://schemas.openxmlformats.org/drawingml/2006/main" xmlns:r="http://schemas.openxmlformats.org/officeDocument/2006/relationships" xmlns:p="http://schemas.openxmlformats.org/presentationml/2006/main">
-  <p:cSld name="simple-light-2">
+  <p:cSld>
     <p:bg>
       <p:bgPr>
         <a:solidFill>
@@ -4882,9 +4819,7 @@
               </a:defRPr>
             </a:lvl9pPr>
           </a:lstStyle>
-          <a:p>
-            <a:endParaRPr/>
-          </a:p>
+          <a:p/>
         </p:txBody>
       </p:sp>
       <p:sp>
@@ -5150,26 +5085,24 @@
               </a:defRPr>
             </a:lvl9pPr>
           </a:lstStyle>
-          <a:p>
-            <a:endParaRPr/>
-          </a:p>
+          <a:p/>
         </p:txBody>
       </p:sp>
     </p:spTree>
   </p:cSld>
   <p:clrMap bg1="lt1" tx1="dk1" bg2="dk2" tx2="lt2" accent1="accent1" accent2="accent2" accent3="accent3" accent4="accent4" accent5="accent5" accent6="accent6" hlink="hlink" folHlink="folHlink"/>
   <p:sldLayoutIdLst>
-    <p:sldLayoutId id="2147483648" r:id="rId1"/>
-    <p:sldLayoutId id="2147483649" r:id="rId2"/>
-    <p:sldLayoutId id="2147483650" r:id="rId3"/>
-    <p:sldLayoutId id="2147483651" r:id="rId4"/>
-    <p:sldLayoutId id="2147483652" r:id="rId5"/>
-    <p:sldLayoutId id="2147483653" r:id="rId6"/>
-    <p:sldLayoutId id="2147483654" r:id="rId7"/>
-    <p:sldLayoutId id="2147483655" r:id="rId8"/>
-    <p:sldLayoutId id="2147483656" r:id="rId9"/>
-    <p:sldLayoutId id="2147483657" r:id="rId10"/>
-    <p:sldLayoutId id="2147483658" r:id="rId11"/>
+    <p:sldLayoutId id="2147483649" r:id="rId1"/>
+    <p:sldLayoutId id="2147483650" r:id="rId2"/>
+    <p:sldLayoutId id="2147483651" r:id="rId3"/>
+    <p:sldLayoutId id="2147483652" r:id="rId4"/>
+    <p:sldLayoutId id="2147483653" r:id="rId5"/>
+    <p:sldLayoutId id="2147483654" r:id="rId6"/>
+    <p:sldLayoutId id="2147483655" r:id="rId7"/>
+    <p:sldLayoutId id="2147483656" r:id="rId8"/>
+    <p:sldLayoutId id="2147483657" r:id="rId9"/>
+    <p:sldLayoutId id="2147483658" r:id="rId10"/>
+    <p:sldLayoutId id="2147483659" r:id="rId11"/>
   </p:sldLayoutIdLst>
   <p:hf sldNum="0" hdr="0" ftr="0" dt="0"/>
   <p:txStyles>
@@ -5914,7 +5847,7 @@
                     <a:lumMod val="50000"/>
                   </a:schemeClr>
                 </a:solidFill>
-                <a:latin typeface="Arial" panose="020B0604020202020204" pitchFamily="34" charset="0"/>
+                <a:latin typeface="Arial" panose="02080604020202020204" pitchFamily="34" charset="0"/>
               </a:rPr>
               <a:t>BUILDING AN E-COMMERCE PLATFORM TRAINING DATASET</a:t>
             </a:r>
@@ -5930,20 +5863,14 @@
       </p:sp>
       <p:pic>
         <p:nvPicPr>
-          <p:cNvPr id="3" name="Picture 2">
-            <a:extLst>
-              <a:ext uri="{FF2B5EF4-FFF2-40B4-BE49-F238E27FC236}">
-                <a16:creationId xmlns:a16="http://schemas.microsoft.com/office/drawing/2014/main" id="{717B06FE-6892-A6EA-6EA7-99D20B50CD23}"/>
-              </a:ext>
-            </a:extLst>
-          </p:cNvPr>
+          <p:cNvPr id="3" name="Picture 2"/>
           <p:cNvPicPr>
             <a:picLocks noChangeAspect="1"/>
           </p:cNvPicPr>
           <p:nvPr/>
         </p:nvPicPr>
         <p:blipFill>
-          <a:blip r:embed="rId3"/>
+          <a:blip r:embed="rId1"/>
           <a:stretch>
             <a:fillRect/>
           </a:stretch>
@@ -5960,13 +5887,7 @@
       </p:pic>
       <p:grpSp>
         <p:nvGrpSpPr>
-          <p:cNvPr id="6" name="Google Shape;221;p19">
-            <a:extLst>
-              <a:ext uri="{FF2B5EF4-FFF2-40B4-BE49-F238E27FC236}">
-                <a16:creationId xmlns:a16="http://schemas.microsoft.com/office/drawing/2014/main" id="{2FBF1BBD-05B9-D184-D8FC-02EAD2518E01}"/>
-              </a:ext>
-            </a:extLst>
-          </p:cNvPr>
+          <p:cNvPr id="6" name="Google Shape;221;p19"/>
           <p:cNvGrpSpPr/>
           <p:nvPr/>
         </p:nvGrpSpPr>
@@ -5980,13 +5901,7 @@
         </p:grpSpPr>
         <p:sp>
           <p:nvSpPr>
-            <p:cNvPr id="7" name="Google Shape;222;p19">
-              <a:extLst>
-                <a:ext uri="{FF2B5EF4-FFF2-40B4-BE49-F238E27FC236}">
-                  <a16:creationId xmlns:a16="http://schemas.microsoft.com/office/drawing/2014/main" id="{D9D0BE32-8CFA-439A-A8EF-52DD0BB23D9A}"/>
-                </a:ext>
-              </a:extLst>
-            </p:cNvPr>
+            <p:cNvPr id="7" name="Google Shape;222;p19"/>
             <p:cNvSpPr/>
             <p:nvPr/>
           </p:nvSpPr>
@@ -6053,7 +5968,7 @@
                 <a:buSzPts val="1100"/>
               </a:pPr>
               <a:r>
-                <a:rPr lang="en" sz="1500" b="1" dirty="0">
+                <a:rPr lang="en-GB" sz="1500" b="1" dirty="0">
                   <a:solidFill>
                     <a:srgbClr val="FFFFFF"/>
                   </a:solidFill>
@@ -6078,13 +5993,7 @@
         </p:sp>
         <p:sp>
           <p:nvSpPr>
-            <p:cNvPr id="8" name="Google Shape;223;p19">
-              <a:extLst>
-                <a:ext uri="{FF2B5EF4-FFF2-40B4-BE49-F238E27FC236}">
-                  <a16:creationId xmlns:a16="http://schemas.microsoft.com/office/drawing/2014/main" id="{D589AB5D-9428-9A30-BCE1-BDDB055A53EA}"/>
-                </a:ext>
-              </a:extLst>
-            </p:cNvPr>
+            <p:cNvPr id="8" name="Google Shape;223;p19"/>
             <p:cNvSpPr/>
             <p:nvPr/>
           </p:nvSpPr>
@@ -6141,20 +6050,14 @@
             </a:bodyPr>
             <a:lstStyle/>
             <a:p>
-              <a:endParaRPr sz="1867"/>
+              <a:endParaRPr sz="1865"/>
             </a:p>
           </p:txBody>
         </p:sp>
       </p:grpSp>
       <p:grpSp>
         <p:nvGrpSpPr>
-          <p:cNvPr id="9" name="Google Shape;225;p19">
-            <a:extLst>
-              <a:ext uri="{FF2B5EF4-FFF2-40B4-BE49-F238E27FC236}">
-                <a16:creationId xmlns:a16="http://schemas.microsoft.com/office/drawing/2014/main" id="{BA120B5A-FC48-CE1B-3ACA-F1F8824C5256}"/>
-              </a:ext>
-            </a:extLst>
-          </p:cNvPr>
+          <p:cNvPr id="9" name="Google Shape;225;p19"/>
           <p:cNvGrpSpPr/>
           <p:nvPr/>
         </p:nvGrpSpPr>
@@ -6168,13 +6071,7 @@
         </p:grpSpPr>
         <p:sp>
           <p:nvSpPr>
-            <p:cNvPr id="10" name="Google Shape;226;p19">
-              <a:extLst>
-                <a:ext uri="{FF2B5EF4-FFF2-40B4-BE49-F238E27FC236}">
-                  <a16:creationId xmlns:a16="http://schemas.microsoft.com/office/drawing/2014/main" id="{D2656545-EA0B-7219-19B5-93AA0456E0D7}"/>
-                </a:ext>
-              </a:extLst>
-            </p:cNvPr>
+            <p:cNvPr id="10" name="Google Shape;226;p19"/>
             <p:cNvSpPr/>
             <p:nvPr/>
           </p:nvSpPr>
@@ -6266,13 +6163,7 @@
         </p:sp>
         <p:sp>
           <p:nvSpPr>
-            <p:cNvPr id="11" name="Google Shape;227;p19">
-              <a:extLst>
-                <a:ext uri="{FF2B5EF4-FFF2-40B4-BE49-F238E27FC236}">
-                  <a16:creationId xmlns:a16="http://schemas.microsoft.com/office/drawing/2014/main" id="{AC34651D-C866-E427-0F12-E9F5083D1F50}"/>
-                </a:ext>
-              </a:extLst>
-            </p:cNvPr>
+            <p:cNvPr id="11" name="Google Shape;227;p19"/>
             <p:cNvSpPr/>
             <p:nvPr/>
           </p:nvSpPr>
@@ -6329,20 +6220,14 @@
             </a:bodyPr>
             <a:lstStyle/>
             <a:p>
-              <a:endParaRPr sz="1867"/>
+              <a:endParaRPr sz="1865"/>
             </a:p>
           </p:txBody>
         </p:sp>
       </p:grpSp>
       <p:grpSp>
         <p:nvGrpSpPr>
-          <p:cNvPr id="12" name="Google Shape;228;p19">
-            <a:extLst>
-              <a:ext uri="{FF2B5EF4-FFF2-40B4-BE49-F238E27FC236}">
-                <a16:creationId xmlns:a16="http://schemas.microsoft.com/office/drawing/2014/main" id="{3AEE20AF-85FA-1519-201B-19973F70B350}"/>
-              </a:ext>
-            </a:extLst>
-          </p:cNvPr>
+          <p:cNvPr id="12" name="Google Shape;228;p19"/>
           <p:cNvGrpSpPr/>
           <p:nvPr/>
         </p:nvGrpSpPr>
@@ -6356,13 +6241,7 @@
         </p:grpSpPr>
         <p:sp>
           <p:nvSpPr>
-            <p:cNvPr id="13" name="Google Shape;229;p19">
-              <a:extLst>
-                <a:ext uri="{FF2B5EF4-FFF2-40B4-BE49-F238E27FC236}">
-                  <a16:creationId xmlns:a16="http://schemas.microsoft.com/office/drawing/2014/main" id="{13E4D3E6-01EB-CC2B-6D5A-AD90DADE1629}"/>
-                </a:ext>
-              </a:extLst>
-            </p:cNvPr>
+            <p:cNvPr id="13" name="Google Shape;229;p19"/>
             <p:cNvSpPr/>
             <p:nvPr/>
           </p:nvSpPr>
@@ -6429,7 +6308,7 @@
                 <a:buSzPts val="1100"/>
               </a:pPr>
               <a:r>
-                <a:rPr lang="en" sz="1500" b="1" dirty="0">
+                <a:rPr lang="en-GB" sz="1500" b="1" dirty="0">
                   <a:solidFill>
                     <a:srgbClr val="FFFFFF"/>
                   </a:solidFill>
@@ -6454,13 +6333,7 @@
         </p:sp>
         <p:sp>
           <p:nvSpPr>
-            <p:cNvPr id="14" name="Google Shape;230;p19">
-              <a:extLst>
-                <a:ext uri="{FF2B5EF4-FFF2-40B4-BE49-F238E27FC236}">
-                  <a16:creationId xmlns:a16="http://schemas.microsoft.com/office/drawing/2014/main" id="{9283E2F6-0549-C26E-0B93-B6F4C9834747}"/>
-                </a:ext>
-              </a:extLst>
-            </p:cNvPr>
+            <p:cNvPr id="14" name="Google Shape;230;p19"/>
             <p:cNvSpPr/>
             <p:nvPr/>
           </p:nvSpPr>
@@ -6517,20 +6390,14 @@
             </a:bodyPr>
             <a:lstStyle/>
             <a:p>
-              <a:endParaRPr sz="1867"/>
+              <a:endParaRPr sz="1865"/>
             </a:p>
           </p:txBody>
         </p:sp>
       </p:grpSp>
       <p:grpSp>
         <p:nvGrpSpPr>
-          <p:cNvPr id="15" name="Google Shape;231;p19">
-            <a:extLst>
-              <a:ext uri="{FF2B5EF4-FFF2-40B4-BE49-F238E27FC236}">
-                <a16:creationId xmlns:a16="http://schemas.microsoft.com/office/drawing/2014/main" id="{BC61BB13-9D33-926F-E453-2410CFE84AD1}"/>
-              </a:ext>
-            </a:extLst>
-          </p:cNvPr>
+          <p:cNvPr id="15" name="Google Shape;231;p19"/>
           <p:cNvGrpSpPr/>
           <p:nvPr/>
         </p:nvGrpSpPr>
@@ -6544,13 +6411,7 @@
         </p:grpSpPr>
         <p:sp>
           <p:nvSpPr>
-            <p:cNvPr id="16" name="Google Shape;232;p19">
-              <a:extLst>
-                <a:ext uri="{FF2B5EF4-FFF2-40B4-BE49-F238E27FC236}">
-                  <a16:creationId xmlns:a16="http://schemas.microsoft.com/office/drawing/2014/main" id="{213EAAA1-21F2-B9A4-9D74-95C94831D726}"/>
-                </a:ext>
-              </a:extLst>
-            </p:cNvPr>
+            <p:cNvPr id="16" name="Google Shape;232;p19"/>
             <p:cNvSpPr/>
             <p:nvPr/>
           </p:nvSpPr>
@@ -6642,13 +6503,7 @@
         </p:sp>
         <p:sp>
           <p:nvSpPr>
-            <p:cNvPr id="17" name="Google Shape;233;p19">
-              <a:extLst>
-                <a:ext uri="{FF2B5EF4-FFF2-40B4-BE49-F238E27FC236}">
-                  <a16:creationId xmlns:a16="http://schemas.microsoft.com/office/drawing/2014/main" id="{A86F50CD-A255-7C8C-5585-ADD614FD07A2}"/>
-                </a:ext>
-              </a:extLst>
-            </p:cNvPr>
+            <p:cNvPr id="17" name="Google Shape;233;p19"/>
             <p:cNvSpPr/>
             <p:nvPr/>
           </p:nvSpPr>
@@ -6705,20 +6560,14 @@
             </a:bodyPr>
             <a:lstStyle/>
             <a:p>
-              <a:endParaRPr sz="1867"/>
+              <a:endParaRPr sz="1865"/>
             </a:p>
           </p:txBody>
         </p:sp>
       </p:grpSp>
       <p:sp>
         <p:nvSpPr>
-          <p:cNvPr id="18" name="Google Shape;234;p19">
-            <a:extLst>
-              <a:ext uri="{FF2B5EF4-FFF2-40B4-BE49-F238E27FC236}">
-                <a16:creationId xmlns:a16="http://schemas.microsoft.com/office/drawing/2014/main" id="{EC4338DB-CD02-87B6-009D-77961C879687}"/>
-              </a:ext>
-            </a:extLst>
-          </p:cNvPr>
+          <p:cNvPr id="18" name="Google Shape;234;p19"/>
           <p:cNvSpPr/>
           <p:nvPr/>
         </p:nvSpPr>
@@ -6964,26 +6813,20 @@
           </a:bodyPr>
           <a:lstStyle/>
           <a:p>
-            <a:endParaRPr sz="1867"/>
+            <a:endParaRPr sz="1865"/>
           </a:p>
         </p:txBody>
       </p:sp>
       <p:pic>
         <p:nvPicPr>
-          <p:cNvPr id="31" name="Picture 30">
-            <a:extLst>
-              <a:ext uri="{FF2B5EF4-FFF2-40B4-BE49-F238E27FC236}">
-                <a16:creationId xmlns:a16="http://schemas.microsoft.com/office/drawing/2014/main" id="{973A36BA-4477-FE55-791E-8D7AF2B01F30}"/>
-              </a:ext>
-            </a:extLst>
-          </p:cNvPr>
+          <p:cNvPr id="31" name="Picture 30"/>
           <p:cNvPicPr>
             <a:picLocks noChangeAspect="1"/>
           </p:cNvPicPr>
           <p:nvPr/>
         </p:nvPicPr>
         <p:blipFill>
-          <a:blip r:embed="rId4"/>
+          <a:blip r:embed="rId2"/>
           <a:stretch>
             <a:fillRect/>
           </a:stretch>
@@ -7000,20 +6843,14 @@
       </p:pic>
       <p:pic>
         <p:nvPicPr>
-          <p:cNvPr id="32" name="Picture 31">
-            <a:extLst>
-              <a:ext uri="{FF2B5EF4-FFF2-40B4-BE49-F238E27FC236}">
-                <a16:creationId xmlns:a16="http://schemas.microsoft.com/office/drawing/2014/main" id="{44CF5B26-10E7-C0D1-B72F-3A9A61BFA624}"/>
-              </a:ext>
-            </a:extLst>
-          </p:cNvPr>
+          <p:cNvPr id="32" name="Picture 31"/>
           <p:cNvPicPr>
             <a:picLocks noChangeAspect="1"/>
           </p:cNvPicPr>
           <p:nvPr/>
         </p:nvPicPr>
         <p:blipFill>
-          <a:blip r:embed="rId4"/>
+          <a:blip r:embed="rId2"/>
           <a:stretch>
             <a:fillRect/>
           </a:stretch>
@@ -7030,20 +6867,14 @@
       </p:pic>
       <p:pic>
         <p:nvPicPr>
-          <p:cNvPr id="33" name="Picture 32">
-            <a:extLst>
-              <a:ext uri="{FF2B5EF4-FFF2-40B4-BE49-F238E27FC236}">
-                <a16:creationId xmlns:a16="http://schemas.microsoft.com/office/drawing/2014/main" id="{794D1FA2-2957-D880-4B09-98D5308C9E4E}"/>
-              </a:ext>
-            </a:extLst>
-          </p:cNvPr>
+          <p:cNvPr id="33" name="Picture 32"/>
           <p:cNvPicPr>
             <a:picLocks noChangeAspect="1"/>
           </p:cNvPicPr>
           <p:nvPr/>
         </p:nvPicPr>
         <p:blipFill>
-          <a:blip r:embed="rId4"/>
+          <a:blip r:embed="rId2"/>
           <a:stretch>
             <a:fillRect/>
           </a:stretch>
@@ -7060,20 +6891,14 @@
       </p:pic>
       <p:pic>
         <p:nvPicPr>
-          <p:cNvPr id="34" name="Picture 33">
-            <a:extLst>
-              <a:ext uri="{FF2B5EF4-FFF2-40B4-BE49-F238E27FC236}">
-                <a16:creationId xmlns:a16="http://schemas.microsoft.com/office/drawing/2014/main" id="{8BC4BAFA-2917-06D5-06F0-A626FECDD810}"/>
-              </a:ext>
-            </a:extLst>
-          </p:cNvPr>
+          <p:cNvPr id="34" name="Picture 33"/>
           <p:cNvPicPr>
             <a:picLocks noChangeAspect="1"/>
           </p:cNvPicPr>
           <p:nvPr/>
         </p:nvPicPr>
         <p:blipFill>
-          <a:blip r:embed="rId4"/>
+          <a:blip r:embed="rId2"/>
           <a:stretch>
             <a:fillRect/>
           </a:stretch>
@@ -7148,6 +6973,13 @@
               </a:rPr>
               <a:t>PROJECT STRUCTURE</a:t>
             </a:r>
+            <a:endParaRPr lang="en-US" sz="3200" dirty="0">
+              <a:solidFill>
+                <a:schemeClr val="accent1">
+                  <a:lumMod val="50000"/>
+                </a:schemeClr>
+              </a:solidFill>
+            </a:endParaRPr>
           </a:p>
         </p:txBody>
       </p:sp>
@@ -7194,7 +7026,7 @@
             </a:bodyPr>
             <a:lstStyle/>
             <a:p>
-              <a:endParaRPr sz="1867"/>
+              <a:endParaRPr sz="1865"/>
             </a:p>
           </p:txBody>
         </p:sp>
@@ -7275,7 +7107,7 @@
             <a:p>
               <a:pPr algn="r"/>
               <a:r>
-                <a:rPr lang="en" sz="2400">
+                <a:rPr lang="en-GB" sz="2400">
                   <a:solidFill>
                     <a:srgbClr val="FFFFFF"/>
                   </a:solidFill>
@@ -7366,7 +7198,7 @@
               </a:bodyPr>
               <a:lstStyle/>
               <a:p>
-                <a:endParaRPr sz="1867"/>
+                <a:endParaRPr sz="1865"/>
               </a:p>
             </p:txBody>
           </p:sp>
@@ -7399,7 +7231,7 @@
               </a:bodyPr>
               <a:lstStyle/>
               <a:p>
-                <a:endParaRPr sz="1867"/>
+                <a:endParaRPr sz="1865"/>
               </a:p>
             </p:txBody>
           </p:sp>
@@ -7448,7 +7280,7 @@
             </a:bodyPr>
             <a:lstStyle/>
             <a:p>
-              <a:endParaRPr sz="1867"/>
+              <a:endParaRPr sz="1865"/>
             </a:p>
           </p:txBody>
         </p:sp>
@@ -7478,7 +7310,7 @@
             <a:lstStyle/>
             <a:p>
               <a:r>
-                <a:rPr lang="en" sz="1500" b="1" dirty="0">
+                <a:rPr lang="en-GB" sz="1500" b="1" dirty="0">
                   <a:solidFill>
                     <a:srgbClr val="FFFFFF"/>
                   </a:solidFill>
@@ -7528,7 +7360,7 @@
             <a:p>
               <a:pPr algn="r"/>
               <a:r>
-                <a:rPr lang="en" sz="2400" dirty="0">
+                <a:rPr lang="en-GB" sz="2400" dirty="0">
                   <a:solidFill>
                     <a:srgbClr val="FFFFFF"/>
                   </a:solidFill>
@@ -7619,7 +7451,7 @@
               </a:bodyPr>
               <a:lstStyle/>
               <a:p>
-                <a:endParaRPr sz="1867"/>
+                <a:endParaRPr sz="1865"/>
               </a:p>
             </p:txBody>
           </p:sp>
@@ -7652,7 +7484,7 @@
               </a:bodyPr>
               <a:lstStyle/>
               <a:p>
-                <a:endParaRPr sz="1867"/>
+                <a:endParaRPr sz="1865"/>
               </a:p>
             </p:txBody>
           </p:sp>
@@ -7704,7 +7536,7 @@
             </a:bodyPr>
             <a:lstStyle/>
             <a:p>
-              <a:endParaRPr sz="1867"/>
+              <a:endParaRPr sz="1865"/>
             </a:p>
           </p:txBody>
         </p:sp>
@@ -7734,7 +7566,7 @@
             <a:lstStyle/>
             <a:p>
               <a:r>
-                <a:rPr lang="en" sz="1500" b="1" dirty="0">
+                <a:rPr lang="en-GB" sz="1500" b="1" dirty="0">
                   <a:solidFill>
                     <a:srgbClr val="FFFFFF"/>
                   </a:solidFill>
@@ -7784,7 +7616,7 @@
             <a:p>
               <a:pPr algn="r"/>
               <a:r>
-                <a:rPr lang="en" sz="2400">
+                <a:rPr lang="en-GB" sz="2400">
                   <a:solidFill>
                     <a:srgbClr val="FFFFFF"/>
                   </a:solidFill>
@@ -7876,7 +7708,7 @@
               </a:bodyPr>
               <a:lstStyle/>
               <a:p>
-                <a:endParaRPr sz="1867"/>
+                <a:endParaRPr sz="1865"/>
               </a:p>
             </p:txBody>
           </p:sp>
@@ -7907,7 +7739,7 @@
               </a:bodyPr>
               <a:lstStyle/>
               <a:p>
-                <a:endParaRPr sz="1867"/>
+                <a:endParaRPr sz="1865"/>
               </a:p>
             </p:txBody>
           </p:sp>
@@ -7956,7 +7788,7 @@
             </a:bodyPr>
             <a:lstStyle/>
             <a:p>
-              <a:endParaRPr sz="1867"/>
+              <a:endParaRPr sz="1865"/>
             </a:p>
           </p:txBody>
         </p:sp>
@@ -8037,7 +7869,7 @@
             <a:p>
               <a:pPr algn="r"/>
               <a:r>
-                <a:rPr lang="en" sz="2400" dirty="0">
+                <a:rPr lang="en-GB" sz="2400" dirty="0">
                   <a:solidFill>
                     <a:srgbClr val="FFFFFF"/>
                   </a:solidFill>
@@ -8128,7 +7960,7 @@
               </a:bodyPr>
               <a:lstStyle/>
               <a:p>
-                <a:endParaRPr sz="1867"/>
+                <a:endParaRPr sz="1865"/>
               </a:p>
             </p:txBody>
           </p:sp>
@@ -8161,7 +7993,7 @@
               </a:bodyPr>
               <a:lstStyle/>
               <a:p>
-                <a:endParaRPr sz="1867"/>
+                <a:endParaRPr sz="1865"/>
               </a:p>
             </p:txBody>
           </p:sp>
@@ -8243,7 +8075,7 @@
           </a:bodyPr>
           <a:lstStyle/>
           <a:p>
-            <a:endParaRPr sz="1867"/>
+            <a:endParaRPr sz="1865"/>
           </a:p>
         </p:txBody>
       </p:sp>
@@ -8298,7 +8130,7 @@
           </a:bodyPr>
           <a:lstStyle/>
           <a:p>
-            <a:endParaRPr sz="1867"/>
+            <a:endParaRPr sz="1865"/>
           </a:p>
         </p:txBody>
       </p:sp>
@@ -8353,7 +8185,7 @@
           </a:bodyPr>
           <a:lstStyle/>
           <a:p>
-            <a:endParaRPr sz="1867"/>
+            <a:endParaRPr sz="1865"/>
           </a:p>
         </p:txBody>
       </p:sp>
@@ -8408,7 +8240,7 @@
           </a:bodyPr>
           <a:lstStyle/>
           <a:p>
-            <a:endParaRPr sz="1867"/>
+            <a:endParaRPr sz="1865"/>
           </a:p>
         </p:txBody>
       </p:sp>
@@ -8463,7 +8295,7 @@
           </a:bodyPr>
           <a:lstStyle/>
           <a:p>
-            <a:endParaRPr sz="1867"/>
+            <a:endParaRPr sz="1865"/>
           </a:p>
         </p:txBody>
       </p:sp>
@@ -8518,7 +8350,7 @@
           </a:bodyPr>
           <a:lstStyle/>
           <a:p>
-            <a:endParaRPr sz="1867"/>
+            <a:endParaRPr sz="1865"/>
           </a:p>
         </p:txBody>
       </p:sp>
@@ -8573,7 +8405,7 @@
           </a:bodyPr>
           <a:lstStyle/>
           <a:p>
-            <a:endParaRPr sz="1867"/>
+            <a:endParaRPr sz="1865"/>
           </a:p>
         </p:txBody>
       </p:sp>
@@ -8628,7 +8460,7 @@
           </a:bodyPr>
           <a:lstStyle/>
           <a:p>
-            <a:endParaRPr sz="1867"/>
+            <a:endParaRPr sz="1865"/>
           </a:p>
         </p:txBody>
       </p:sp>
@@ -8680,7 +8512,7 @@
           </a:bodyPr>
           <a:lstStyle/>
           <a:p>
-            <a:endParaRPr sz="1867"/>
+            <a:endParaRPr sz="1865"/>
           </a:p>
         </p:txBody>
       </p:sp>
@@ -8756,7 +8588,7 @@
           </a:bodyPr>
           <a:lstStyle/>
           <a:p>
-            <a:endParaRPr sz="1867"/>
+            <a:endParaRPr sz="1865"/>
           </a:p>
         </p:txBody>
       </p:sp>
@@ -8808,7 +8640,7 @@
           </a:bodyPr>
           <a:lstStyle/>
           <a:p>
-            <a:endParaRPr sz="1867"/>
+            <a:endParaRPr sz="1865"/>
           </a:p>
         </p:txBody>
       </p:sp>
@@ -9041,7 +8873,7 @@
               </a:bodyPr>
               <a:lstStyle/>
               <a:p>
-                <a:endParaRPr sz="1867"/>
+                <a:endParaRPr sz="1865"/>
               </a:p>
             </p:txBody>
           </p:sp>
@@ -9102,7 +8934,7 @@
             </a:bodyPr>
             <a:lstStyle/>
             <a:p>
-              <a:endParaRPr sz="1867"/>
+              <a:endParaRPr sz="1865"/>
             </a:p>
           </p:txBody>
         </p:sp>
@@ -9553,7 +9385,7 @@
             </a:bodyPr>
             <a:lstStyle/>
             <a:p>
-              <a:endParaRPr sz="1867"/>
+              <a:endParaRPr sz="1865"/>
             </a:p>
           </p:txBody>
         </p:sp>
@@ -9644,7 +9476,7 @@
               <a:p>
                 <a:pPr algn="ctr"/>
                 <a:r>
-                  <a:rPr lang="en" sz="1200" dirty="0">
+                  <a:rPr lang="en-GB" sz="1200" dirty="0">
                     <a:solidFill>
                       <a:srgbClr val="434343"/>
                     </a:solidFill>
@@ -9739,7 +9571,7 @@
               </a:bodyPr>
               <a:lstStyle/>
               <a:p>
-                <a:endParaRPr sz="1867"/>
+                <a:endParaRPr sz="1865"/>
               </a:p>
             </p:txBody>
           </p:sp>
@@ -9794,7 +9626,7 @@
             </a:bodyPr>
             <a:lstStyle/>
             <a:p>
-              <a:endParaRPr sz="1867" dirty="0"/>
+              <a:endParaRPr sz="1865" dirty="0"/>
             </a:p>
           </p:txBody>
         </p:sp>
@@ -10123,7 +9955,7 @@
             </a:bodyPr>
             <a:lstStyle/>
             <a:p>
-              <a:endParaRPr sz="1867"/>
+              <a:endParaRPr sz="1865"/>
             </a:p>
           </p:txBody>
         </p:sp>
@@ -10346,7 +10178,7 @@
               </a:bodyPr>
               <a:lstStyle/>
               <a:p>
-                <a:endParaRPr sz="1867" dirty="0"/>
+                <a:endParaRPr sz="1865" dirty="0"/>
               </a:p>
             </p:txBody>
           </p:sp>
@@ -10406,7 +10238,7 @@
             </a:bodyPr>
             <a:lstStyle/>
             <a:p>
-              <a:endParaRPr sz="1867"/>
+              <a:endParaRPr sz="1865"/>
             </a:p>
           </p:txBody>
         </p:sp>
@@ -10593,7 +10425,7 @@
             </a:bodyPr>
             <a:lstStyle/>
             <a:p>
-              <a:endParaRPr sz="1867" dirty="0"/>
+              <a:endParaRPr sz="1865" dirty="0"/>
             </a:p>
           </p:txBody>
         </p:sp>
@@ -10767,7 +10599,7 @@
               </a:bodyPr>
               <a:lstStyle/>
               <a:p>
-                <a:endParaRPr sz="1867"/>
+                <a:endParaRPr sz="1865"/>
               </a:p>
             </p:txBody>
           </p:sp>
@@ -10819,7 +10651,7 @@
             </a:bodyPr>
             <a:lstStyle/>
             <a:p>
-              <a:endParaRPr sz="1867" dirty="0">
+              <a:endParaRPr sz="1865" dirty="0">
                 <a:solidFill>
                   <a:schemeClr val="accent1">
                     <a:lumMod val="50000"/>
@@ -11033,7 +10865,7 @@
             </a:bodyPr>
             <a:lstStyle/>
             <a:p>
-              <a:endParaRPr sz="1867"/>
+              <a:endParaRPr sz="1865"/>
             </a:p>
           </p:txBody>
         </p:sp>
@@ -11120,7 +10952,7 @@
               <a:buSzPts val="1100"/>
             </a:pPr>
             <a:r>
-              <a:rPr lang="en" sz="2000" dirty="0">
+              <a:rPr lang="en-GB" sz="2000" dirty="0">
                 <a:solidFill>
                   <a:srgbClr val="434343"/>
                 </a:solidFill>
@@ -11145,13 +10977,7 @@
       </p:sp>
       <p:grpSp>
         <p:nvGrpSpPr>
-          <p:cNvPr id="4" name="Google Shape;189;p18">
-            <a:extLst>
-              <a:ext uri="{FF2B5EF4-FFF2-40B4-BE49-F238E27FC236}">
-                <a16:creationId xmlns:a16="http://schemas.microsoft.com/office/drawing/2014/main" id="{C3118D37-EF7C-8147-1539-BF23DED2EAAE}"/>
-              </a:ext>
-            </a:extLst>
-          </p:cNvPr>
+          <p:cNvPr id="4" name="Google Shape;189;p18"/>
           <p:cNvGrpSpPr/>
           <p:nvPr/>
         </p:nvGrpSpPr>
@@ -11165,13 +10991,7 @@
         </p:grpSpPr>
         <p:sp>
           <p:nvSpPr>
-            <p:cNvPr id="5" name="Google Shape;190;p18">
-              <a:extLst>
-                <a:ext uri="{FF2B5EF4-FFF2-40B4-BE49-F238E27FC236}">
-                  <a16:creationId xmlns:a16="http://schemas.microsoft.com/office/drawing/2014/main" id="{2F3169BA-FAEC-7CE1-70C5-580E970113D0}"/>
-                </a:ext>
-              </a:extLst>
-            </p:cNvPr>
+            <p:cNvPr id="5" name="Google Shape;190;p18"/>
             <p:cNvSpPr/>
             <p:nvPr/>
           </p:nvSpPr>
@@ -11198,19 +11018,13 @@
             </a:bodyPr>
             <a:lstStyle/>
             <a:p>
-              <a:endParaRPr sz="1867"/>
+              <a:endParaRPr sz="1865"/>
             </a:p>
           </p:txBody>
         </p:sp>
         <p:sp>
           <p:nvSpPr>
-            <p:cNvPr id="6" name="Google Shape;191;p18">
-              <a:extLst>
-                <a:ext uri="{FF2B5EF4-FFF2-40B4-BE49-F238E27FC236}">
-                  <a16:creationId xmlns:a16="http://schemas.microsoft.com/office/drawing/2014/main" id="{43E55C73-629B-7789-1C66-FDE8A15675B1}"/>
-                </a:ext>
-              </a:extLst>
-            </p:cNvPr>
+            <p:cNvPr id="6" name="Google Shape;191;p18"/>
             <p:cNvSpPr txBox="1"/>
             <p:nvPr/>
           </p:nvSpPr>
@@ -11260,13 +11074,7 @@
         </p:sp>
         <p:sp>
           <p:nvSpPr>
-            <p:cNvPr id="7" name="Google Shape;192;p18">
-              <a:extLst>
-                <a:ext uri="{FF2B5EF4-FFF2-40B4-BE49-F238E27FC236}">
-                  <a16:creationId xmlns:a16="http://schemas.microsoft.com/office/drawing/2014/main" id="{35BEF760-A3E2-A4F0-6C18-E6907C1F8217}"/>
-                </a:ext>
-              </a:extLst>
-            </p:cNvPr>
+            <p:cNvPr id="7" name="Google Shape;192;p18"/>
             <p:cNvSpPr txBox="1"/>
             <p:nvPr/>
           </p:nvSpPr>
@@ -11291,7 +11099,7 @@
             <a:p>
               <a:pPr algn="r"/>
               <a:r>
-                <a:rPr lang="en" sz="2400">
+                <a:rPr lang="en-GB" sz="2400">
                   <a:solidFill>
                     <a:srgbClr val="FFFFFF"/>
                   </a:solidFill>
@@ -11316,13 +11124,7 @@
         </p:sp>
         <p:sp>
           <p:nvSpPr>
-            <p:cNvPr id="9" name="Google Shape;194;p18">
-              <a:extLst>
-                <a:ext uri="{FF2B5EF4-FFF2-40B4-BE49-F238E27FC236}">
-                  <a16:creationId xmlns:a16="http://schemas.microsoft.com/office/drawing/2014/main" id="{2939A683-D4BB-FFC5-E86B-3ED2B2005786}"/>
-                </a:ext>
-              </a:extLst>
-            </p:cNvPr>
+            <p:cNvPr id="9" name="Google Shape;194;p18"/>
             <p:cNvSpPr/>
             <p:nvPr/>
           </p:nvSpPr>
@@ -11374,20 +11176,14 @@
             </a:bodyPr>
             <a:lstStyle/>
             <a:p>
-              <a:endParaRPr sz="1867"/>
+              <a:endParaRPr sz="1865"/>
             </a:p>
           </p:txBody>
         </p:sp>
       </p:grpSp>
       <p:sp>
         <p:nvSpPr>
-          <p:cNvPr id="11" name="Google Shape;1026;p36">
-            <a:extLst>
-              <a:ext uri="{FF2B5EF4-FFF2-40B4-BE49-F238E27FC236}">
-                <a16:creationId xmlns:a16="http://schemas.microsoft.com/office/drawing/2014/main" id="{9FC17B9A-3DDA-ED90-4F66-C731C4A760CC}"/>
-              </a:ext>
-            </a:extLst>
-          </p:cNvPr>
+          <p:cNvPr id="11" name="Google Shape;1026;p36"/>
           <p:cNvSpPr/>
           <p:nvPr/>
         </p:nvSpPr>
@@ -11467,13 +11263,7 @@
       </p:sp>
       <p:sp>
         <p:nvSpPr>
-          <p:cNvPr id="22" name="Google Shape;170;p17">
-            <a:extLst>
-              <a:ext uri="{FF2B5EF4-FFF2-40B4-BE49-F238E27FC236}">
-                <a16:creationId xmlns:a16="http://schemas.microsoft.com/office/drawing/2014/main" id="{DEA1FBEA-34E6-E717-D52E-183AA3D27EA9}"/>
-              </a:ext>
-            </a:extLst>
-          </p:cNvPr>
+          <p:cNvPr id="22" name="Google Shape;170;p17"/>
           <p:cNvSpPr/>
           <p:nvPr/>
         </p:nvSpPr>
@@ -11597,19 +11387,13 @@
           </a:bodyPr>
           <a:lstStyle/>
           <a:p>
-            <a:endParaRPr sz="1867"/>
+            <a:endParaRPr sz="1865"/>
           </a:p>
         </p:txBody>
       </p:sp>
       <p:sp>
         <p:nvSpPr>
-          <p:cNvPr id="23" name="Google Shape;170;p17">
-            <a:extLst>
-              <a:ext uri="{FF2B5EF4-FFF2-40B4-BE49-F238E27FC236}">
-                <a16:creationId xmlns:a16="http://schemas.microsoft.com/office/drawing/2014/main" id="{431DD0D8-69B1-194E-D6F6-78DEA7E8BEF3}"/>
-              </a:ext>
-            </a:extLst>
-          </p:cNvPr>
+          <p:cNvPr id="23" name="Google Shape;170;p17"/>
           <p:cNvSpPr/>
           <p:nvPr/>
         </p:nvSpPr>
@@ -11733,7 +11517,7 @@
           </a:bodyPr>
           <a:lstStyle/>
           <a:p>
-            <a:endParaRPr sz="1867"/>
+            <a:endParaRPr sz="1865"/>
           </a:p>
         </p:txBody>
       </p:sp>
@@ -11821,7 +11605,7 @@
             </a:bodyPr>
             <a:lstStyle/>
             <a:p>
-              <a:endParaRPr sz="1867" dirty="0"/>
+              <a:endParaRPr sz="1865" dirty="0"/>
             </a:p>
           </p:txBody>
         </p:sp>
@@ -11888,7 +11672,7 @@
             </a:bodyPr>
             <a:lstStyle/>
             <a:p>
-              <a:endParaRPr sz="1867" dirty="0"/>
+              <a:endParaRPr sz="1865" dirty="0"/>
             </a:p>
           </p:txBody>
         </p:sp>
@@ -11949,7 +11733,7 @@
             </a:bodyPr>
             <a:lstStyle/>
             <a:p>
-              <a:endParaRPr sz="1867"/>
+              <a:endParaRPr sz="1865"/>
             </a:p>
           </p:txBody>
         </p:sp>
@@ -12063,7 +11847,7 @@
             </a:bodyPr>
             <a:lstStyle/>
             <a:p>
-              <a:endParaRPr sz="1867"/>
+              <a:endParaRPr sz="1865"/>
             </a:p>
           </p:txBody>
         </p:sp>
@@ -12130,7 +11914,7 @@
             </a:bodyPr>
             <a:lstStyle/>
             <a:p>
-              <a:endParaRPr sz="1867"/>
+              <a:endParaRPr sz="1865"/>
             </a:p>
           </p:txBody>
         </p:sp>
@@ -12191,7 +11975,7 @@
             </a:bodyPr>
             <a:lstStyle/>
             <a:p>
-              <a:endParaRPr sz="1867" dirty="0"/>
+              <a:endParaRPr sz="1865" dirty="0"/>
             </a:p>
           </p:txBody>
         </p:sp>
@@ -12228,7 +12012,7 @@
                 <a:buSzPts val="1100"/>
               </a:pPr>
               <a:r>
-                <a:rPr lang="en" sz="1500" dirty="0">
+                <a:rPr lang="en-GB" sz="1500" dirty="0">
                   <a:solidFill>
                     <a:srgbClr val="FFFFFF"/>
                   </a:solidFill>
@@ -12271,7 +12055,7 @@
             <a:lstStyle/>
             <a:p>
               <a:r>
-                <a:rPr lang="en" sz="1200" dirty="0">
+                <a:rPr lang="en-GB" sz="1200" dirty="0">
                   <a:solidFill>
                     <a:srgbClr val="434343"/>
                   </a:solidFill>
@@ -12354,7 +12138,7 @@
             </a:bodyPr>
             <a:lstStyle/>
             <a:p>
-              <a:endParaRPr sz="1867"/>
+              <a:endParaRPr sz="1865"/>
             </a:p>
           </p:txBody>
         </p:sp>
@@ -12421,7 +12205,7 @@
             </a:bodyPr>
             <a:lstStyle/>
             <a:p>
-              <a:endParaRPr sz="1867"/>
+              <a:endParaRPr sz="1865"/>
             </a:p>
           </p:txBody>
         </p:sp>
@@ -12482,7 +12266,7 @@
             </a:bodyPr>
             <a:lstStyle/>
             <a:p>
-              <a:endParaRPr sz="1867"/>
+              <a:endParaRPr sz="1865"/>
             </a:p>
           </p:txBody>
         </p:sp>
@@ -12597,6 +12381,15 @@
                 </a:rPr>
                 <a:t> module of this website</a:t>
               </a:r>
+              <a:endParaRPr lang="en-US" sz="1200" dirty="0">
+                <a:solidFill>
+                  <a:srgbClr val="434343"/>
+                </a:solidFill>
+                <a:latin typeface="Roboto"/>
+                <a:ea typeface="Roboto"/>
+                <a:cs typeface="Roboto"/>
+                <a:sym typeface="Roboto"/>
+              </a:endParaRPr>
             </a:p>
           </p:txBody>
         </p:sp>
@@ -12660,7 +12453,7 @@
             </a:bodyPr>
             <a:lstStyle/>
             <a:p>
-              <a:endParaRPr sz="1867"/>
+              <a:endParaRPr sz="1865"/>
             </a:p>
           </p:txBody>
         </p:sp>
@@ -12727,7 +12520,7 @@
             </a:bodyPr>
             <a:lstStyle/>
             <a:p>
-              <a:endParaRPr sz="1867"/>
+              <a:endParaRPr sz="1865"/>
             </a:p>
           </p:txBody>
         </p:sp>
@@ -12788,7 +12581,7 @@
             </a:bodyPr>
             <a:lstStyle/>
             <a:p>
-              <a:endParaRPr sz="1867"/>
+              <a:endParaRPr sz="1865"/>
             </a:p>
           </p:txBody>
         </p:sp>
@@ -12825,7 +12618,7 @@
                 <a:buSzPts val="1100"/>
               </a:pPr>
               <a:r>
-                <a:rPr lang="en" sz="1500" dirty="0">
+                <a:rPr lang="en-GB" sz="1500" dirty="0">
                   <a:solidFill>
                     <a:srgbClr val="FFFFFF"/>
                   </a:solidFill>
@@ -12951,7 +12744,7 @@
             </a:bodyPr>
             <a:lstStyle/>
             <a:p>
-              <a:endParaRPr sz="1867"/>
+              <a:endParaRPr sz="1865"/>
             </a:p>
           </p:txBody>
         </p:sp>
@@ -13018,7 +12811,7 @@
             </a:bodyPr>
             <a:lstStyle/>
             <a:p>
-              <a:endParaRPr sz="1867"/>
+              <a:endParaRPr sz="1865"/>
             </a:p>
           </p:txBody>
         </p:sp>
@@ -13079,7 +12872,7 @@
             </a:bodyPr>
             <a:lstStyle/>
             <a:p>
-              <a:endParaRPr sz="1867"/>
+              <a:endParaRPr sz="1865"/>
             </a:p>
           </p:txBody>
         </p:sp>
@@ -13116,7 +12909,7 @@
                 <a:buSzPts val="1100"/>
               </a:pPr>
               <a:r>
-                <a:rPr lang="en" sz="1500" dirty="0">
+                <a:rPr lang="en-GB" sz="1500" dirty="0">
                   <a:solidFill>
                     <a:srgbClr val="FFFFFF"/>
                   </a:solidFill>
@@ -13136,13 +12929,7 @@
       </p:grpSp>
       <p:grpSp>
         <p:nvGrpSpPr>
-          <p:cNvPr id="4" name="Google Shape;210;p18">
-            <a:extLst>
-              <a:ext uri="{FF2B5EF4-FFF2-40B4-BE49-F238E27FC236}">
-                <a16:creationId xmlns:a16="http://schemas.microsoft.com/office/drawing/2014/main" id="{60F440EB-C4D6-940C-EE10-BE36D2131759}"/>
-              </a:ext>
-            </a:extLst>
-          </p:cNvPr>
+          <p:cNvPr id="4" name="Google Shape;210;p18"/>
           <p:cNvGrpSpPr/>
           <p:nvPr/>
         </p:nvGrpSpPr>
@@ -13156,13 +12943,7 @@
         </p:grpSpPr>
         <p:sp>
           <p:nvSpPr>
-            <p:cNvPr id="5" name="Google Shape;211;p18">
-              <a:extLst>
-                <a:ext uri="{FF2B5EF4-FFF2-40B4-BE49-F238E27FC236}">
-                  <a16:creationId xmlns:a16="http://schemas.microsoft.com/office/drawing/2014/main" id="{3F3DA806-E720-D950-B0BC-846D4966BF2B}"/>
-                </a:ext>
-              </a:extLst>
-            </p:cNvPr>
+            <p:cNvPr id="5" name="Google Shape;211;p18"/>
             <p:cNvSpPr/>
             <p:nvPr/>
           </p:nvSpPr>
@@ -13189,19 +12970,13 @@
             </a:bodyPr>
             <a:lstStyle/>
             <a:p>
-              <a:endParaRPr sz="1867"/>
+              <a:endParaRPr sz="1865"/>
             </a:p>
           </p:txBody>
         </p:sp>
         <p:sp>
           <p:nvSpPr>
-            <p:cNvPr id="6" name="Google Shape;212;p18">
-              <a:extLst>
-                <a:ext uri="{FF2B5EF4-FFF2-40B4-BE49-F238E27FC236}">
-                  <a16:creationId xmlns:a16="http://schemas.microsoft.com/office/drawing/2014/main" id="{0B3B8873-36DF-E8B4-284D-C72DE25B742B}"/>
-                </a:ext>
-              </a:extLst>
-            </p:cNvPr>
+            <p:cNvPr id="6" name="Google Shape;212;p18"/>
             <p:cNvSpPr txBox="1"/>
             <p:nvPr/>
           </p:nvSpPr>
@@ -13251,13 +13026,7 @@
         </p:sp>
         <p:sp>
           <p:nvSpPr>
-            <p:cNvPr id="7" name="Google Shape;213;p18">
-              <a:extLst>
-                <a:ext uri="{FF2B5EF4-FFF2-40B4-BE49-F238E27FC236}">
-                  <a16:creationId xmlns:a16="http://schemas.microsoft.com/office/drawing/2014/main" id="{5A3B6A11-78F4-9D61-9C2C-D6E9279C7132}"/>
-                </a:ext>
-              </a:extLst>
-            </p:cNvPr>
+            <p:cNvPr id="7" name="Google Shape;213;p18"/>
             <p:cNvSpPr txBox="1"/>
             <p:nvPr/>
           </p:nvSpPr>
@@ -13282,7 +13051,7 @@
             <a:p>
               <a:pPr algn="r"/>
               <a:r>
-                <a:rPr lang="en" sz="2400" dirty="0">
+                <a:rPr lang="en-GB" sz="2400" dirty="0">
                   <a:solidFill>
                     <a:srgbClr val="FFFFFF"/>
                   </a:solidFill>
@@ -13307,13 +13076,7 @@
         </p:sp>
         <p:sp>
           <p:nvSpPr>
-            <p:cNvPr id="9" name="Google Shape;215;p18">
-              <a:extLst>
-                <a:ext uri="{FF2B5EF4-FFF2-40B4-BE49-F238E27FC236}">
-                  <a16:creationId xmlns:a16="http://schemas.microsoft.com/office/drawing/2014/main" id="{44CCB95B-B17E-EB2A-18FD-BD50B7D71B4A}"/>
-                </a:ext>
-              </a:extLst>
-            </p:cNvPr>
+            <p:cNvPr id="9" name="Google Shape;215;p18"/>
             <p:cNvSpPr/>
             <p:nvPr/>
           </p:nvSpPr>
@@ -13365,27 +13128,21 @@
             </a:bodyPr>
             <a:lstStyle/>
             <a:p>
-              <a:endParaRPr sz="1867"/>
+              <a:endParaRPr sz="1865"/>
             </a:p>
           </p:txBody>
         </p:sp>
       </p:grpSp>
       <p:pic>
         <p:nvPicPr>
-          <p:cNvPr id="12" name="Picture 11">
-            <a:extLst>
-              <a:ext uri="{FF2B5EF4-FFF2-40B4-BE49-F238E27FC236}">
-                <a16:creationId xmlns:a16="http://schemas.microsoft.com/office/drawing/2014/main" id="{7FC3984C-FC5B-9BB1-8789-5173965197A2}"/>
-              </a:ext>
-            </a:extLst>
-          </p:cNvPr>
+          <p:cNvPr id="12" name="Picture 11"/>
           <p:cNvPicPr>
             <a:picLocks noChangeAspect="1"/>
           </p:cNvPicPr>
           <p:nvPr/>
         </p:nvPicPr>
         <p:blipFill>
-          <a:blip r:embed="rId3"/>
+          <a:blip r:embed="rId1"/>
           <a:stretch>
             <a:fillRect/>
           </a:stretch>
@@ -13402,20 +13159,14 @@
       </p:pic>
       <p:pic>
         <p:nvPicPr>
-          <p:cNvPr id="14" name="Picture 13">
-            <a:extLst>
-              <a:ext uri="{FF2B5EF4-FFF2-40B4-BE49-F238E27FC236}">
-                <a16:creationId xmlns:a16="http://schemas.microsoft.com/office/drawing/2014/main" id="{DE8C67C5-F014-B141-DC97-D3772BB6057A}"/>
-              </a:ext>
-            </a:extLst>
-          </p:cNvPr>
+          <p:cNvPr id="14" name="Picture 13"/>
           <p:cNvPicPr>
             <a:picLocks noChangeAspect="1"/>
           </p:cNvPicPr>
           <p:nvPr/>
         </p:nvPicPr>
         <p:blipFill>
-          <a:blip r:embed="rId4"/>
+          <a:blip r:embed="rId2"/>
           <a:stretch>
             <a:fillRect/>
           </a:stretch>
@@ -13432,20 +13183,14 @@
       </p:pic>
       <p:pic>
         <p:nvPicPr>
-          <p:cNvPr id="16" name="Picture 15">
-            <a:extLst>
-              <a:ext uri="{FF2B5EF4-FFF2-40B4-BE49-F238E27FC236}">
-                <a16:creationId xmlns:a16="http://schemas.microsoft.com/office/drawing/2014/main" id="{41A57C6E-13E4-1667-101D-3AF0987521EA}"/>
-              </a:ext>
-            </a:extLst>
-          </p:cNvPr>
+          <p:cNvPr id="16" name="Picture 15"/>
           <p:cNvPicPr>
             <a:picLocks noChangeAspect="1"/>
           </p:cNvPicPr>
           <p:nvPr/>
         </p:nvPicPr>
         <p:blipFill>
-          <a:blip r:embed="rId5"/>
+          <a:blip r:embed="rId3"/>
           <a:stretch>
             <a:fillRect/>
           </a:stretch>
@@ -13462,20 +13207,14 @@
       </p:pic>
       <p:pic>
         <p:nvPicPr>
-          <p:cNvPr id="18" name="Picture 17">
-            <a:extLst>
-              <a:ext uri="{FF2B5EF4-FFF2-40B4-BE49-F238E27FC236}">
-                <a16:creationId xmlns:a16="http://schemas.microsoft.com/office/drawing/2014/main" id="{9DCC2B1F-6EEF-C95A-81C9-9131D7967FBD}"/>
-              </a:ext>
-            </a:extLst>
-          </p:cNvPr>
+          <p:cNvPr id="18" name="Picture 17"/>
           <p:cNvPicPr>
             <a:picLocks noChangeAspect="1"/>
           </p:cNvPicPr>
           <p:nvPr/>
         </p:nvPicPr>
         <p:blipFill>
-          <a:blip r:embed="rId6"/>
+          <a:blip r:embed="rId4"/>
           <a:stretch>
             <a:fillRect/>
           </a:stretch>
@@ -13492,20 +13231,14 @@
       </p:pic>
       <p:pic>
         <p:nvPicPr>
-          <p:cNvPr id="20" name="Picture 19">
-            <a:extLst>
-              <a:ext uri="{FF2B5EF4-FFF2-40B4-BE49-F238E27FC236}">
-                <a16:creationId xmlns:a16="http://schemas.microsoft.com/office/drawing/2014/main" id="{570518ED-8649-785D-E519-E4A681E89ACB}"/>
-              </a:ext>
-            </a:extLst>
-          </p:cNvPr>
+          <p:cNvPr id="20" name="Picture 19"/>
           <p:cNvPicPr>
             <a:picLocks noChangeAspect="1"/>
           </p:cNvPicPr>
           <p:nvPr/>
         </p:nvPicPr>
         <p:blipFill>
-          <a:blip r:embed="rId7"/>
+          <a:blip r:embed="rId5"/>
           <a:stretch>
             <a:fillRect/>
           </a:stretch>
@@ -13547,13 +13280,7 @@
       </p:grpSpPr>
       <p:grpSp>
         <p:nvGrpSpPr>
-          <p:cNvPr id="18" name="Google Shape;305;p21">
-            <a:extLst>
-              <a:ext uri="{FF2B5EF4-FFF2-40B4-BE49-F238E27FC236}">
-                <a16:creationId xmlns:a16="http://schemas.microsoft.com/office/drawing/2014/main" id="{864EDC46-4DAB-9865-665A-A7D965930384}"/>
-              </a:ext>
-            </a:extLst>
-          </p:cNvPr>
+          <p:cNvPr id="18" name="Google Shape;305;p21"/>
           <p:cNvGrpSpPr/>
           <p:nvPr/>
         </p:nvGrpSpPr>
@@ -13567,13 +13294,7 @@
         </p:grpSpPr>
         <p:sp>
           <p:nvSpPr>
-            <p:cNvPr id="20" name="Google Shape;307;p21">
-              <a:extLst>
-                <a:ext uri="{FF2B5EF4-FFF2-40B4-BE49-F238E27FC236}">
-                  <a16:creationId xmlns:a16="http://schemas.microsoft.com/office/drawing/2014/main" id="{CA36F37B-7B69-5601-FC33-4ADDE091C516}"/>
-                </a:ext>
-              </a:extLst>
-            </p:cNvPr>
+            <p:cNvPr id="20" name="Google Shape;307;p21"/>
             <p:cNvSpPr/>
             <p:nvPr/>
           </p:nvSpPr>
@@ -13654,19 +13375,13 @@
             </a:bodyPr>
             <a:lstStyle/>
             <a:p>
-              <a:endParaRPr sz="1867"/>
+              <a:endParaRPr sz="1865"/>
             </a:p>
           </p:txBody>
         </p:sp>
         <p:sp>
           <p:nvSpPr>
-            <p:cNvPr id="21" name="Google Shape;308;p21">
-              <a:extLst>
-                <a:ext uri="{FF2B5EF4-FFF2-40B4-BE49-F238E27FC236}">
-                  <a16:creationId xmlns:a16="http://schemas.microsoft.com/office/drawing/2014/main" id="{76C5C6E7-F0E5-F88C-0685-CA8E1707A004}"/>
-                </a:ext>
-              </a:extLst>
-            </p:cNvPr>
+            <p:cNvPr id="21" name="Google Shape;308;p21"/>
             <p:cNvSpPr/>
             <p:nvPr/>
           </p:nvSpPr>
@@ -13726,19 +13441,13 @@
             </a:bodyPr>
             <a:lstStyle/>
             <a:p>
-              <a:endParaRPr sz="1867" dirty="0"/>
+              <a:endParaRPr sz="1865" dirty="0"/>
             </a:p>
           </p:txBody>
         </p:sp>
         <p:sp>
           <p:nvSpPr>
-            <p:cNvPr id="22" name="Google Shape;309;p21">
-              <a:extLst>
-                <a:ext uri="{FF2B5EF4-FFF2-40B4-BE49-F238E27FC236}">
-                  <a16:creationId xmlns:a16="http://schemas.microsoft.com/office/drawing/2014/main" id="{CE7507D1-4AB1-31CA-7FD4-97EF53BDEB4A}"/>
-                </a:ext>
-              </a:extLst>
-            </p:cNvPr>
+            <p:cNvPr id="22" name="Google Shape;309;p21"/>
             <p:cNvSpPr txBox="1"/>
             <p:nvPr/>
           </p:nvSpPr>
@@ -13788,13 +13497,7 @@
         </p:sp>
         <p:sp>
           <p:nvSpPr>
-            <p:cNvPr id="23" name="Google Shape;310;p21">
-              <a:extLst>
-                <a:ext uri="{FF2B5EF4-FFF2-40B4-BE49-F238E27FC236}">
-                  <a16:creationId xmlns:a16="http://schemas.microsoft.com/office/drawing/2014/main" id="{00EF6A1A-CDA7-AF89-09A8-19690C4795DA}"/>
-                </a:ext>
-              </a:extLst>
-            </p:cNvPr>
+            <p:cNvPr id="23" name="Google Shape;310;p21"/>
             <p:cNvSpPr txBox="1"/>
             <p:nvPr/>
           </p:nvSpPr>
@@ -13829,10 +13532,19 @@
                 </a:rPr>
                 <a:t>Separation is 2 child services:</a:t>
               </a:r>
+              <a:endParaRPr lang="en-US" sz="1200" dirty="0">
+                <a:solidFill>
+                  <a:srgbClr val="434343"/>
+                </a:solidFill>
+                <a:latin typeface="Roboto"/>
+                <a:ea typeface="Roboto"/>
+                <a:cs typeface="Roboto"/>
+                <a:sym typeface="Roboto"/>
+              </a:endParaRPr>
             </a:p>
             <a:p>
-              <a:pPr marL="171462" indent="-171462">
-                <a:buFont typeface="Arial" panose="020B0604020202020204" pitchFamily="34" charset="0"/>
+              <a:pPr marL="171450" indent="-171450">
+                <a:buFont typeface="Arial" panose="02080604020202020204" pitchFamily="34" charset="0"/>
                 <a:buChar char="•"/>
               </a:pPr>
               <a:r>
@@ -13847,10 +13559,19 @@
                 </a:rPr>
                 <a:t>Service used to manage data (Back-end)</a:t>
               </a:r>
+              <a:endParaRPr lang="en-US" sz="1200" dirty="0">
+                <a:solidFill>
+                  <a:srgbClr val="434343"/>
+                </a:solidFill>
+                <a:latin typeface="Roboto"/>
+                <a:ea typeface="Roboto"/>
+                <a:cs typeface="Roboto"/>
+                <a:sym typeface="Roboto"/>
+              </a:endParaRPr>
             </a:p>
             <a:p>
-              <a:pPr marL="171462" indent="-171462">
-                <a:buFont typeface="Arial" panose="020B0604020202020204" pitchFamily="34" charset="0"/>
+              <a:pPr marL="171450" indent="-171450">
+                <a:buFont typeface="Arial" panose="02080604020202020204" pitchFamily="34" charset="0"/>
                 <a:buChar char="•"/>
               </a:pPr>
               <a:r>
@@ -13865,18 +13586,21 @@
                 </a:rPr>
                 <a:t>Service used to build model, train data </a:t>
               </a:r>
+              <a:endParaRPr lang="en-US" sz="1200" dirty="0">
+                <a:solidFill>
+                  <a:srgbClr val="434343"/>
+                </a:solidFill>
+                <a:latin typeface="Roboto"/>
+                <a:ea typeface="Roboto"/>
+                <a:cs typeface="Roboto"/>
+                <a:sym typeface="Roboto"/>
+              </a:endParaRPr>
             </a:p>
           </p:txBody>
         </p:sp>
         <p:sp>
           <p:nvSpPr>
-            <p:cNvPr id="24" name="Google Shape;311;p21">
-              <a:extLst>
-                <a:ext uri="{FF2B5EF4-FFF2-40B4-BE49-F238E27FC236}">
-                  <a16:creationId xmlns:a16="http://schemas.microsoft.com/office/drawing/2014/main" id="{134BA974-05BB-EBB0-FF9B-C20BBE58D209}"/>
-                </a:ext>
-              </a:extLst>
-            </p:cNvPr>
+            <p:cNvPr id="24" name="Google Shape;311;p21"/>
             <p:cNvSpPr/>
             <p:nvPr/>
           </p:nvSpPr>
@@ -13933,19 +13657,13 @@
             </a:bodyPr>
             <a:lstStyle/>
             <a:p>
-              <a:endParaRPr sz="1867" dirty="0"/>
+              <a:endParaRPr sz="1865" dirty="0"/>
             </a:p>
           </p:txBody>
         </p:sp>
         <p:sp>
           <p:nvSpPr>
-            <p:cNvPr id="25" name="Google Shape;312;p21">
-              <a:extLst>
-                <a:ext uri="{FF2B5EF4-FFF2-40B4-BE49-F238E27FC236}">
-                  <a16:creationId xmlns:a16="http://schemas.microsoft.com/office/drawing/2014/main" id="{8E1B9A6A-6E9E-0F81-8CE0-DE3FB5934DCC}"/>
-                </a:ext>
-              </a:extLst>
-            </p:cNvPr>
+            <p:cNvPr id="25" name="Google Shape;312;p21"/>
             <p:cNvSpPr/>
             <p:nvPr/>
           </p:nvSpPr>
@@ -14002,20 +13720,14 @@
             </a:bodyPr>
             <a:lstStyle/>
             <a:p>
-              <a:endParaRPr sz="1867"/>
+              <a:endParaRPr sz="1865"/>
             </a:p>
           </p:txBody>
         </p:sp>
       </p:grpSp>
       <p:grpSp>
         <p:nvGrpSpPr>
-          <p:cNvPr id="2" name="Google Shape;289;p21">
-            <a:extLst>
-              <a:ext uri="{FF2B5EF4-FFF2-40B4-BE49-F238E27FC236}">
-                <a16:creationId xmlns:a16="http://schemas.microsoft.com/office/drawing/2014/main" id="{2763954D-6AF1-3F29-AFEE-3DC5770238CE}"/>
-              </a:ext>
-            </a:extLst>
-          </p:cNvPr>
+          <p:cNvPr id="2" name="Google Shape;289;p21"/>
           <p:cNvGrpSpPr/>
           <p:nvPr/>
         </p:nvGrpSpPr>
@@ -14029,13 +13741,7 @@
         </p:grpSpPr>
         <p:sp>
           <p:nvSpPr>
-            <p:cNvPr id="4" name="Google Shape;299;p21">
-              <a:extLst>
-                <a:ext uri="{FF2B5EF4-FFF2-40B4-BE49-F238E27FC236}">
-                  <a16:creationId xmlns:a16="http://schemas.microsoft.com/office/drawing/2014/main" id="{741F51B0-A19F-68A1-DFE2-FF2A89E1B86D}"/>
-                </a:ext>
-              </a:extLst>
-            </p:cNvPr>
+            <p:cNvPr id="4" name="Google Shape;299;p21"/>
             <p:cNvSpPr/>
             <p:nvPr/>
           </p:nvSpPr>
@@ -14116,19 +13822,13 @@
             </a:bodyPr>
             <a:lstStyle/>
             <a:p>
-              <a:endParaRPr sz="1867"/>
+              <a:endParaRPr sz="1865"/>
             </a:p>
           </p:txBody>
         </p:sp>
         <p:sp>
           <p:nvSpPr>
-            <p:cNvPr id="5" name="Google Shape;300;p21">
-              <a:extLst>
-                <a:ext uri="{FF2B5EF4-FFF2-40B4-BE49-F238E27FC236}">
-                  <a16:creationId xmlns:a16="http://schemas.microsoft.com/office/drawing/2014/main" id="{0F3A8C59-5B9D-4BD6-2F6E-FFB5D4CBCA09}"/>
-                </a:ext>
-              </a:extLst>
-            </p:cNvPr>
+            <p:cNvPr id="5" name="Google Shape;300;p21"/>
             <p:cNvSpPr/>
             <p:nvPr/>
           </p:nvSpPr>
@@ -14211,19 +13911,13 @@
             </a:bodyPr>
             <a:lstStyle/>
             <a:p>
-              <a:endParaRPr sz="1867"/>
+              <a:endParaRPr sz="1865"/>
             </a:p>
           </p:txBody>
         </p:sp>
         <p:sp>
           <p:nvSpPr>
-            <p:cNvPr id="6" name="Google Shape;301;p21">
-              <a:extLst>
-                <a:ext uri="{FF2B5EF4-FFF2-40B4-BE49-F238E27FC236}">
-                  <a16:creationId xmlns:a16="http://schemas.microsoft.com/office/drawing/2014/main" id="{4031743A-51C5-AFAA-31BB-62B1BC77B63C}"/>
-                </a:ext>
-              </a:extLst>
-            </p:cNvPr>
+            <p:cNvPr id="6" name="Google Shape;301;p21"/>
             <p:cNvSpPr/>
             <p:nvPr/>
           </p:nvSpPr>
@@ -14280,19 +13974,13 @@
             </a:bodyPr>
             <a:lstStyle/>
             <a:p>
-              <a:endParaRPr sz="1867"/>
+              <a:endParaRPr sz="1865"/>
             </a:p>
           </p:txBody>
         </p:sp>
         <p:sp>
           <p:nvSpPr>
-            <p:cNvPr id="7" name="Google Shape;302;p21">
-              <a:extLst>
-                <a:ext uri="{FF2B5EF4-FFF2-40B4-BE49-F238E27FC236}">
-                  <a16:creationId xmlns:a16="http://schemas.microsoft.com/office/drawing/2014/main" id="{D2D16135-D689-2199-114B-027DB33E4985}"/>
-                </a:ext>
-              </a:extLst>
-            </p:cNvPr>
+            <p:cNvPr id="7" name="Google Shape;302;p21"/>
             <p:cNvSpPr/>
             <p:nvPr/>
           </p:nvSpPr>
@@ -14349,19 +14037,13 @@
             </a:bodyPr>
             <a:lstStyle/>
             <a:p>
-              <a:endParaRPr sz="1867"/>
+              <a:endParaRPr sz="1865"/>
             </a:p>
           </p:txBody>
         </p:sp>
         <p:sp>
           <p:nvSpPr>
-            <p:cNvPr id="8" name="Google Shape;303;p21">
-              <a:extLst>
-                <a:ext uri="{FF2B5EF4-FFF2-40B4-BE49-F238E27FC236}">
-                  <a16:creationId xmlns:a16="http://schemas.microsoft.com/office/drawing/2014/main" id="{53ADBA66-8DFE-1EE3-1D72-C87060D182AB}"/>
-                </a:ext>
-              </a:extLst>
-            </p:cNvPr>
+            <p:cNvPr id="8" name="Google Shape;303;p21"/>
             <p:cNvSpPr txBox="1"/>
             <p:nvPr/>
           </p:nvSpPr>
@@ -14411,13 +14093,7 @@
         </p:sp>
         <p:sp>
           <p:nvSpPr>
-            <p:cNvPr id="9" name="Google Shape;304;p21">
-              <a:extLst>
-                <a:ext uri="{FF2B5EF4-FFF2-40B4-BE49-F238E27FC236}">
-                  <a16:creationId xmlns:a16="http://schemas.microsoft.com/office/drawing/2014/main" id="{8B41AFB5-1ED1-E9EA-1584-D991EB454B9C}"/>
-                </a:ext>
-              </a:extLst>
-            </p:cNvPr>
+            <p:cNvPr id="9" name="Google Shape;304;p21"/>
             <p:cNvSpPr txBox="1"/>
             <p:nvPr/>
           </p:nvSpPr>
@@ -14453,6 +14129,15 @@
                 </a:rPr>
                 <a:t>Communication </a:t>
               </a:r>
+              <a:endParaRPr lang="en-US" sz="1200" dirty="0">
+                <a:solidFill>
+                  <a:srgbClr val="434343"/>
+                </a:solidFill>
+                <a:latin typeface="Roboto"/>
+                <a:ea typeface="Roboto"/>
+                <a:cs typeface="Roboto"/>
+                <a:sym typeface="Roboto"/>
+              </a:endParaRPr>
             </a:p>
             <a:p>
               <a:pPr algn="ctr"/>
@@ -14578,7 +14263,7 @@
             </a:bodyPr>
             <a:lstStyle/>
             <a:p>
-              <a:endParaRPr sz="1867"/>
+              <a:endParaRPr sz="1865"/>
             </a:p>
           </p:txBody>
         </p:sp>
@@ -14644,7 +14329,7 @@
             </a:bodyPr>
             <a:lstStyle/>
             <a:p>
-              <a:endParaRPr sz="1867"/>
+              <a:endParaRPr sz="1865"/>
             </a:p>
           </p:txBody>
         </p:sp>
@@ -14807,7 +14492,7 @@
             </a:bodyPr>
             <a:lstStyle/>
             <a:p>
-              <a:endParaRPr sz="1867" dirty="0"/>
+              <a:endParaRPr sz="1865" dirty="0"/>
             </a:p>
           </p:txBody>
         </p:sp>
@@ -14870,7 +14555,7 @@
             </a:bodyPr>
             <a:lstStyle/>
             <a:p>
-              <a:endParaRPr sz="1867" dirty="0"/>
+              <a:endParaRPr sz="1865" dirty="0"/>
             </a:p>
           </p:txBody>
         </p:sp>
@@ -14984,7 +14669,7 @@
               </a:bodyPr>
               <a:lstStyle/>
               <a:p>
-                <a:endParaRPr sz="1867"/>
+                <a:endParaRPr sz="1865"/>
               </a:p>
             </p:txBody>
           </p:sp>
@@ -15069,7 +14754,7 @@
               </a:bodyPr>
               <a:lstStyle/>
               <a:p>
-                <a:endParaRPr sz="1867"/>
+                <a:endParaRPr sz="1865"/>
               </a:p>
             </p:txBody>
           </p:sp>
@@ -15154,7 +14839,7 @@
               </a:bodyPr>
               <a:lstStyle/>
               <a:p>
-                <a:endParaRPr sz="1867"/>
+                <a:endParaRPr sz="1865"/>
               </a:p>
             </p:txBody>
           </p:sp>
@@ -15239,7 +14924,7 @@
               </a:bodyPr>
               <a:lstStyle/>
               <a:p>
-                <a:endParaRPr sz="1867"/>
+                <a:endParaRPr sz="1865"/>
               </a:p>
             </p:txBody>
           </p:sp>
@@ -15324,7 +15009,7 @@
               </a:bodyPr>
               <a:lstStyle/>
               <a:p>
-                <a:endParaRPr sz="1867"/>
+                <a:endParaRPr sz="1865"/>
               </a:p>
             </p:txBody>
           </p:sp>
@@ -15409,7 +15094,7 @@
               </a:bodyPr>
               <a:lstStyle/>
               <a:p>
-                <a:endParaRPr sz="1867"/>
+                <a:endParaRPr sz="1865"/>
               </a:p>
             </p:txBody>
           </p:sp>
@@ -15494,7 +15179,7 @@
               </a:bodyPr>
               <a:lstStyle/>
               <a:p>
-                <a:endParaRPr sz="1867"/>
+                <a:endParaRPr sz="1865"/>
               </a:p>
             </p:txBody>
           </p:sp>
@@ -15579,7 +15264,7 @@
               </a:bodyPr>
               <a:lstStyle/>
               <a:p>
-                <a:endParaRPr sz="1867"/>
+                <a:endParaRPr sz="1865"/>
               </a:p>
             </p:txBody>
           </p:sp>
@@ -15664,7 +15349,7 @@
               </a:bodyPr>
               <a:lstStyle/>
               <a:p>
-                <a:endParaRPr sz="1867"/>
+                <a:endParaRPr sz="1865"/>
               </a:p>
             </p:txBody>
           </p:sp>
@@ -15749,7 +15434,7 @@
               </a:bodyPr>
               <a:lstStyle/>
               <a:p>
-                <a:endParaRPr sz="1867"/>
+                <a:endParaRPr sz="1865"/>
               </a:p>
             </p:txBody>
           </p:sp>
@@ -15834,7 +15519,7 @@
               </a:bodyPr>
               <a:lstStyle/>
               <a:p>
-                <a:endParaRPr sz="1867"/>
+                <a:endParaRPr sz="1865"/>
               </a:p>
             </p:txBody>
           </p:sp>
@@ -15919,7 +15604,7 @@
               </a:bodyPr>
               <a:lstStyle/>
               <a:p>
-                <a:endParaRPr sz="1867"/>
+                <a:endParaRPr sz="1865"/>
               </a:p>
             </p:txBody>
           </p:sp>
@@ -16152,7 +15837,7 @@
               </a:bodyPr>
               <a:lstStyle/>
               <a:p>
-                <a:endParaRPr sz="1867"/>
+                <a:endParaRPr sz="1865"/>
               </a:p>
             </p:txBody>
           </p:sp>
@@ -16240,7 +15925,7 @@
             </a:bodyPr>
             <a:lstStyle/>
             <a:p>
-              <a:endParaRPr sz="1867"/>
+              <a:endParaRPr sz="1865"/>
             </a:p>
           </p:txBody>
         </p:sp>
@@ -16329,7 +16014,7 @@
             </a:bodyPr>
             <a:lstStyle/>
             <a:p>
-              <a:endParaRPr sz="1867"/>
+              <a:endParaRPr sz="1865"/>
             </a:p>
           </p:txBody>
         </p:sp>
@@ -16492,7 +16177,7 @@
             </a:bodyPr>
             <a:lstStyle/>
             <a:p>
-              <a:endParaRPr sz="1867"/>
+              <a:endParaRPr sz="1865"/>
             </a:p>
           </p:txBody>
         </p:sp>
@@ -16555,7 +16240,7 @@
             </a:bodyPr>
             <a:lstStyle/>
             <a:p>
-              <a:endParaRPr sz="1867"/>
+              <a:endParaRPr sz="1865"/>
             </a:p>
           </p:txBody>
         </p:sp>
@@ -16657,7 +16342,7 @@
             </a:bodyPr>
             <a:lstStyle/>
             <a:p>
-              <a:endParaRPr sz="1867"/>
+              <a:endParaRPr sz="1865"/>
             </a:p>
           </p:txBody>
         </p:sp>
@@ -16725,7 +16410,7 @@
             </a:bodyPr>
             <a:lstStyle/>
             <a:p>
-              <a:endParaRPr sz="1867"/>
+              <a:endParaRPr sz="1865"/>
             </a:p>
           </p:txBody>
         </p:sp>
@@ -16790,7 +16475,7 @@
             </a:bodyPr>
             <a:lstStyle/>
             <a:p>
-              <a:endParaRPr sz="1867" dirty="0"/>
+              <a:endParaRPr sz="1865" dirty="0"/>
             </a:p>
           </p:txBody>
         </p:sp>
@@ -16853,7 +16538,7 @@
             </a:bodyPr>
             <a:lstStyle/>
             <a:p>
-              <a:endParaRPr sz="1867"/>
+              <a:endParaRPr sz="1865"/>
             </a:p>
           </p:txBody>
         </p:sp>
@@ -17055,7 +16740,7 @@
             </a:bodyPr>
             <a:lstStyle/>
             <a:p>
-              <a:endParaRPr sz="1867"/>
+              <a:endParaRPr sz="1865"/>
             </a:p>
           </p:txBody>
         </p:sp>
@@ -17144,7 +16829,7 @@
             </a:bodyPr>
             <a:lstStyle/>
             <a:p>
-              <a:endParaRPr sz="1867"/>
+              <a:endParaRPr sz="1865"/>
             </a:p>
           </p:txBody>
         </p:sp>
@@ -17207,7 +16892,7 @@
             </a:bodyPr>
             <a:lstStyle/>
             <a:p>
-              <a:endParaRPr sz="1867"/>
+              <a:endParaRPr sz="1865"/>
             </a:p>
           </p:txBody>
         </p:sp>
@@ -17270,7 +16955,7 @@
             </a:bodyPr>
             <a:lstStyle/>
             <a:p>
-              <a:endParaRPr sz="1867" dirty="0"/>
+              <a:endParaRPr sz="1865" dirty="0"/>
             </a:p>
           </p:txBody>
         </p:sp>
@@ -17351,7 +17036,7 @@
             <a:p>
               <a:pPr algn="ctr"/>
               <a:r>
-                <a:rPr lang="en" sz="1700" dirty="0">
+                <a:rPr lang="en-GB" sz="1700" dirty="0">
                   <a:solidFill>
                     <a:srgbClr val="434343"/>
                   </a:solidFill>
@@ -17377,20 +17062,14 @@
       </p:grpSp>
       <p:pic>
         <p:nvPicPr>
-          <p:cNvPr id="27" name="Picture 26">
-            <a:extLst>
-              <a:ext uri="{FF2B5EF4-FFF2-40B4-BE49-F238E27FC236}">
-                <a16:creationId xmlns:a16="http://schemas.microsoft.com/office/drawing/2014/main" id="{DC992608-C537-A133-BFE3-2E1636FC3B81}"/>
-              </a:ext>
-            </a:extLst>
-          </p:cNvPr>
+          <p:cNvPr id="27" name="Picture 26"/>
           <p:cNvPicPr>
             <a:picLocks noChangeAspect="1"/>
           </p:cNvPicPr>
           <p:nvPr/>
         </p:nvPicPr>
         <p:blipFill>
-          <a:blip r:embed="rId3"/>
+          <a:blip r:embed="rId1"/>
           <a:stretch>
             <a:fillRect/>
           </a:stretch>
@@ -17407,20 +17086,14 @@
       </p:pic>
       <p:pic>
         <p:nvPicPr>
-          <p:cNvPr id="31" name="Picture 30">
-            <a:extLst>
-              <a:ext uri="{FF2B5EF4-FFF2-40B4-BE49-F238E27FC236}">
-                <a16:creationId xmlns:a16="http://schemas.microsoft.com/office/drawing/2014/main" id="{7D8DBE28-8C4E-8354-696B-00AA0216A0A9}"/>
-              </a:ext>
-            </a:extLst>
-          </p:cNvPr>
+          <p:cNvPr id="31" name="Picture 30"/>
           <p:cNvPicPr>
             <a:picLocks noChangeAspect="1"/>
           </p:cNvPicPr>
           <p:nvPr/>
         </p:nvPicPr>
         <p:blipFill>
-          <a:blip r:embed="rId4"/>
+          <a:blip r:embed="rId2"/>
           <a:stretch>
             <a:fillRect/>
           </a:stretch>
@@ -17437,20 +17110,14 @@
       </p:pic>
       <p:pic>
         <p:nvPicPr>
-          <p:cNvPr id="4098" name="Picture 2" descr="Tensorflow Logo Transparent, HD Png Download , Transparent Png Image -  PNGitem">
-            <a:extLst>
-              <a:ext uri="{FF2B5EF4-FFF2-40B4-BE49-F238E27FC236}">
-                <a16:creationId xmlns:a16="http://schemas.microsoft.com/office/drawing/2014/main" id="{C4F992EB-A2AB-2CAE-6AF6-0E2D8848CE82}"/>
-              </a:ext>
-            </a:extLst>
-          </p:cNvPr>
+          <p:cNvPr id="4098" name="Picture 2" descr="Tensorflow Logo Transparent, HD Png Download , Transparent Png Image -  PNGitem"/>
           <p:cNvPicPr>
             <a:picLocks noChangeAspect="1" noChangeArrowheads="1"/>
           </p:cNvPicPr>
           <p:nvPr/>
         </p:nvPicPr>
         <p:blipFill>
-          <a:blip r:embed="rId5">
+          <a:blip r:embed="rId3">
             <a:extLst>
               <a:ext uri="{28A0092B-C50C-407E-A947-70E740481C1C}">
                 <a14:useLocalDpi xmlns:a14="http://schemas.microsoft.com/office/drawing/2010/main" val="0"/>
@@ -17484,20 +17151,14 @@
       </p:pic>
       <p:pic>
         <p:nvPicPr>
-          <p:cNvPr id="33" name="Picture 32">
-            <a:extLst>
-              <a:ext uri="{FF2B5EF4-FFF2-40B4-BE49-F238E27FC236}">
-                <a16:creationId xmlns:a16="http://schemas.microsoft.com/office/drawing/2014/main" id="{1EA1AE0F-EFF1-21E5-D7F9-545E6C622CE0}"/>
-              </a:ext>
-            </a:extLst>
-          </p:cNvPr>
+          <p:cNvPr id="33" name="Picture 32"/>
           <p:cNvPicPr>
             <a:picLocks noChangeAspect="1"/>
           </p:cNvPicPr>
           <p:nvPr/>
         </p:nvPicPr>
         <p:blipFill>
-          <a:blip r:embed="rId6"/>
+          <a:blip r:embed="rId4"/>
           <a:stretch>
             <a:fillRect/>
           </a:stretch>
@@ -17514,20 +17175,14 @@
       </p:pic>
       <p:pic>
         <p:nvPicPr>
-          <p:cNvPr id="36" name="Picture 35">
-            <a:extLst>
-              <a:ext uri="{FF2B5EF4-FFF2-40B4-BE49-F238E27FC236}">
-                <a16:creationId xmlns:a16="http://schemas.microsoft.com/office/drawing/2014/main" id="{83E4FE42-CD93-15A0-95DE-40BA9EEF0474}"/>
-              </a:ext>
-            </a:extLst>
-          </p:cNvPr>
+          <p:cNvPr id="36" name="Picture 35"/>
           <p:cNvPicPr>
             <a:picLocks noChangeAspect="1"/>
           </p:cNvPicPr>
           <p:nvPr/>
         </p:nvPicPr>
         <p:blipFill>
-          <a:blip r:embed="rId7"/>
+          <a:blip r:embed="rId5"/>
           <a:stretch>
             <a:fillRect/>
           </a:stretch>
@@ -17544,20 +17199,14 @@
       </p:pic>
       <p:pic>
         <p:nvPicPr>
-          <p:cNvPr id="39" name="Picture 38">
-            <a:extLst>
-              <a:ext uri="{FF2B5EF4-FFF2-40B4-BE49-F238E27FC236}">
-                <a16:creationId xmlns:a16="http://schemas.microsoft.com/office/drawing/2014/main" id="{08DBF55D-973F-21F4-7CA0-008754F7DF8B}"/>
-              </a:ext>
-            </a:extLst>
-          </p:cNvPr>
+          <p:cNvPr id="39" name="Picture 38"/>
           <p:cNvPicPr>
             <a:picLocks noChangeAspect="1"/>
           </p:cNvPicPr>
           <p:nvPr/>
         </p:nvPicPr>
         <p:blipFill>
-          <a:blip r:embed="rId8"/>
+          <a:blip r:embed="rId6"/>
           <a:stretch>
             <a:fillRect/>
           </a:stretch>
@@ -17574,13 +17223,7 @@
       </p:pic>
       <p:grpSp>
         <p:nvGrpSpPr>
-          <p:cNvPr id="45" name="Google Shape;196;p18">
-            <a:extLst>
-              <a:ext uri="{FF2B5EF4-FFF2-40B4-BE49-F238E27FC236}">
-                <a16:creationId xmlns:a16="http://schemas.microsoft.com/office/drawing/2014/main" id="{B13382B6-2952-D46E-9BC1-30F925C21D2A}"/>
-              </a:ext>
-            </a:extLst>
-          </p:cNvPr>
+          <p:cNvPr id="45" name="Google Shape;196;p18"/>
           <p:cNvGrpSpPr/>
           <p:nvPr/>
         </p:nvGrpSpPr>
@@ -17594,13 +17237,7 @@
         </p:grpSpPr>
         <p:sp>
           <p:nvSpPr>
-            <p:cNvPr id="46" name="Google Shape;197;p18">
-              <a:extLst>
-                <a:ext uri="{FF2B5EF4-FFF2-40B4-BE49-F238E27FC236}">
-                  <a16:creationId xmlns:a16="http://schemas.microsoft.com/office/drawing/2014/main" id="{CC7260D3-2C03-6BFE-F5BB-57B171DDABCA}"/>
-                </a:ext>
-              </a:extLst>
-            </p:cNvPr>
+            <p:cNvPr id="46" name="Google Shape;197;p18"/>
             <p:cNvSpPr/>
             <p:nvPr/>
           </p:nvSpPr>
@@ -17627,19 +17264,13 @@
             </a:bodyPr>
             <a:lstStyle/>
             <a:p>
-              <a:endParaRPr sz="1867"/>
+              <a:endParaRPr sz="1865"/>
             </a:p>
           </p:txBody>
         </p:sp>
         <p:sp>
           <p:nvSpPr>
-            <p:cNvPr id="47" name="Google Shape;198;p18">
-              <a:extLst>
-                <a:ext uri="{FF2B5EF4-FFF2-40B4-BE49-F238E27FC236}">
-                  <a16:creationId xmlns:a16="http://schemas.microsoft.com/office/drawing/2014/main" id="{10C0864E-152F-6BFF-F534-4368C27CEEC6}"/>
-                </a:ext>
-              </a:extLst>
-            </p:cNvPr>
+            <p:cNvPr id="47" name="Google Shape;198;p18"/>
             <p:cNvSpPr txBox="1"/>
             <p:nvPr/>
           </p:nvSpPr>
@@ -17663,7 +17294,7 @@
             <a:lstStyle/>
             <a:p>
               <a:r>
-                <a:rPr lang="en" sz="1500" b="1" dirty="0">
+                <a:rPr lang="en-GB" sz="1500" b="1" dirty="0">
                   <a:solidFill>
                     <a:srgbClr val="FFFFFF"/>
                   </a:solidFill>
@@ -17688,13 +17319,7 @@
         </p:sp>
         <p:sp>
           <p:nvSpPr>
-            <p:cNvPr id="48" name="Google Shape;199;p18">
-              <a:extLst>
-                <a:ext uri="{FF2B5EF4-FFF2-40B4-BE49-F238E27FC236}">
-                  <a16:creationId xmlns:a16="http://schemas.microsoft.com/office/drawing/2014/main" id="{A8812336-46AD-BFEC-D935-A3FC1D0DC40E}"/>
-                </a:ext>
-              </a:extLst>
-            </p:cNvPr>
+            <p:cNvPr id="48" name="Google Shape;199;p18"/>
             <p:cNvSpPr txBox="1"/>
             <p:nvPr/>
           </p:nvSpPr>
@@ -17719,7 +17344,7 @@
             <a:p>
               <a:pPr algn="r"/>
               <a:r>
-                <a:rPr lang="en" sz="2400" dirty="0">
+                <a:rPr lang="en-GB" sz="2400" dirty="0">
                   <a:solidFill>
                     <a:srgbClr val="FFFFFF"/>
                   </a:solidFill>
@@ -17744,13 +17369,7 @@
         </p:sp>
         <p:sp>
           <p:nvSpPr>
-            <p:cNvPr id="50" name="Google Shape;201;p18">
-              <a:extLst>
-                <a:ext uri="{FF2B5EF4-FFF2-40B4-BE49-F238E27FC236}">
-                  <a16:creationId xmlns:a16="http://schemas.microsoft.com/office/drawing/2014/main" id="{C54CCE17-4874-5FBE-E79E-1D3AE4A30B89}"/>
-                </a:ext>
-              </a:extLst>
-            </p:cNvPr>
+            <p:cNvPr id="50" name="Google Shape;201;p18"/>
             <p:cNvSpPr/>
             <p:nvPr/>
           </p:nvSpPr>
@@ -17802,7 +17421,7 @@
             </a:bodyPr>
             <a:lstStyle/>
             <a:p>
-              <a:endParaRPr sz="1867"/>
+              <a:endParaRPr sz="1865"/>
             </a:p>
           </p:txBody>
         </p:sp>
@@ -17930,6 +17549,15 @@
                 </a:rPr>
                 <a:t>Free datasets:</a:t>
               </a:r>
+              <a:endParaRPr lang="en-US" sz="1200" dirty="0">
+                <a:solidFill>
+                  <a:srgbClr val="FFFFFF"/>
+                </a:solidFill>
+                <a:latin typeface="Roboto"/>
+                <a:ea typeface="Roboto"/>
+                <a:cs typeface="Roboto"/>
+                <a:sym typeface="Roboto"/>
+              </a:endParaRPr>
             </a:p>
           </p:txBody>
         </p:sp>
@@ -18000,7 +17628,7 @@
             <a:lstStyle/>
             <a:p>
               <a:pPr algn="ctr"/>
-              <a:endParaRPr sz="1867">
+              <a:endParaRPr sz="1865">
                 <a:latin typeface="Fira Sans Extra Condensed Medium"/>
                 <a:ea typeface="Fira Sans Extra Condensed Medium"/>
                 <a:cs typeface="Fira Sans Extra Condensed Medium"/>
@@ -18070,7 +17698,7 @@
             <a:lstStyle/>
             <a:p>
               <a:r>
-                <a:rPr lang="en" sz="2100" dirty="0">
+                <a:rPr lang="en-GB" sz="2100" dirty="0">
                   <a:solidFill>
                     <a:schemeClr val="accent4">
                       <a:lumMod val="50000"/>
@@ -18100,13 +17728,7 @@
       </p:grpSp>
       <p:sp>
         <p:nvSpPr>
-          <p:cNvPr id="4" name="Google Shape;1026;p36">
-            <a:extLst>
-              <a:ext uri="{FF2B5EF4-FFF2-40B4-BE49-F238E27FC236}">
-                <a16:creationId xmlns:a16="http://schemas.microsoft.com/office/drawing/2014/main" id="{74CB4755-FED0-66FE-50E3-D871E9A04D28}"/>
-              </a:ext>
-            </a:extLst>
-          </p:cNvPr>
+          <p:cNvPr id="4" name="Google Shape;1026;p36"/>
           <p:cNvSpPr/>
           <p:nvPr/>
         </p:nvSpPr>
@@ -18177,7 +17799,7 @@
                 <a:latin typeface="Roboto" panose="02000000000000000000" pitchFamily="2" charset="0"/>
                 <a:ea typeface="Roboto" panose="02000000000000000000" pitchFamily="2" charset="0"/>
                 <a:cs typeface="Roboto" panose="02000000000000000000" pitchFamily="2" charset="0"/>
-                <a:hlinkClick r:id="rId3"/>
+                <a:hlinkClick r:id="rId1"/>
               </a:rPr>
               <a:t>Kaggle.com</a:t>
             </a:r>
@@ -18193,6 +17815,15 @@
               </a:rPr>
               <a:t>) </a:t>
             </a:r>
+            <a:endParaRPr lang="en-US" sz="1000" i="1" dirty="0">
+              <a:solidFill>
+                <a:srgbClr val="434343"/>
+              </a:solidFill>
+              <a:latin typeface="Roboto"/>
+              <a:ea typeface="Roboto"/>
+              <a:cs typeface="Roboto"/>
+              <a:sym typeface="Roboto"/>
+            </a:endParaRPr>
           </a:p>
           <a:p>
             <a:r>
@@ -18216,7 +17847,7 @@
                 <a:ea typeface="Roboto"/>
                 <a:cs typeface="Roboto"/>
                 <a:sym typeface="Roboto"/>
-                <a:hlinkClick r:id="rId4"/>
+                <a:hlinkClick r:id="rId2"/>
               </a:rPr>
               <a:t>https://archive.ics.uci.edu/ml/index.php</a:t>
             </a:r>
@@ -18232,6 +17863,15 @@
               </a:rPr>
               <a:t>)</a:t>
             </a:r>
+            <a:endParaRPr lang="en-US" sz="1000" i="1" dirty="0">
+              <a:solidFill>
+                <a:srgbClr val="434343"/>
+              </a:solidFill>
+              <a:latin typeface="Roboto"/>
+              <a:ea typeface="Roboto"/>
+              <a:cs typeface="Roboto"/>
+              <a:sym typeface="Roboto"/>
+            </a:endParaRPr>
           </a:p>
           <a:p>
             <a:r>
@@ -18260,13 +17900,7 @@
       </p:sp>
       <p:sp>
         <p:nvSpPr>
-          <p:cNvPr id="22" name="Google Shape;170;p17">
-            <a:extLst>
-              <a:ext uri="{FF2B5EF4-FFF2-40B4-BE49-F238E27FC236}">
-                <a16:creationId xmlns:a16="http://schemas.microsoft.com/office/drawing/2014/main" id="{AAA39A44-0CDA-0383-920C-750AB011D8B5}"/>
-              </a:ext>
-            </a:extLst>
-          </p:cNvPr>
+          <p:cNvPr id="22" name="Google Shape;170;p17"/>
           <p:cNvSpPr/>
           <p:nvPr/>
         </p:nvSpPr>
@@ -18390,19 +18024,13 @@
           </a:bodyPr>
           <a:lstStyle/>
           <a:p>
-            <a:endParaRPr sz="1867"/>
+            <a:endParaRPr sz="1865"/>
           </a:p>
         </p:txBody>
       </p:sp>
       <p:sp>
         <p:nvSpPr>
-          <p:cNvPr id="26" name="Google Shape;822;p32">
-            <a:extLst>
-              <a:ext uri="{FF2B5EF4-FFF2-40B4-BE49-F238E27FC236}">
-                <a16:creationId xmlns:a16="http://schemas.microsoft.com/office/drawing/2014/main" id="{0BB719CE-85A5-7C44-5EE1-06FA9B7374AD}"/>
-              </a:ext>
-            </a:extLst>
-          </p:cNvPr>
+          <p:cNvPr id="26" name="Google Shape;822;p32"/>
           <p:cNvSpPr/>
           <p:nvPr/>
         </p:nvSpPr>
@@ -18466,6 +18094,15 @@
               </a:rPr>
               <a:t>The amount of data is not too much:</a:t>
             </a:r>
+            <a:endParaRPr lang="en-US" sz="1200" dirty="0">
+              <a:solidFill>
+                <a:srgbClr val="FFFFFF"/>
+              </a:solidFill>
+              <a:latin typeface="Roboto"/>
+              <a:ea typeface="Roboto"/>
+              <a:cs typeface="Roboto"/>
+              <a:sym typeface="Roboto"/>
+            </a:endParaRPr>
           </a:p>
           <a:p>
             <a:pPr>
@@ -18486,6 +18123,15 @@
               </a:rPr>
               <a:t>+ High noise data rate</a:t>
             </a:r>
+            <a:endParaRPr lang="en-US" sz="1200" dirty="0">
+              <a:solidFill>
+                <a:srgbClr val="FFFFFF"/>
+              </a:solidFill>
+              <a:latin typeface="Roboto"/>
+              <a:ea typeface="Roboto"/>
+              <a:cs typeface="Roboto"/>
+              <a:sym typeface="Roboto"/>
+            </a:endParaRPr>
           </a:p>
           <a:p>
             <a:pPr>
@@ -18506,18 +18152,21 @@
               </a:rPr>
               <a:t>+ Unreliable (Data is old, data is wrong)</a:t>
             </a:r>
+            <a:endParaRPr lang="en-US" sz="1200" dirty="0">
+              <a:solidFill>
+                <a:srgbClr val="FFFFFF"/>
+              </a:solidFill>
+              <a:latin typeface="Roboto"/>
+              <a:ea typeface="Roboto"/>
+              <a:cs typeface="Roboto"/>
+              <a:sym typeface="Roboto"/>
+            </a:endParaRPr>
           </a:p>
         </p:txBody>
       </p:sp>
       <p:grpSp>
         <p:nvGrpSpPr>
-          <p:cNvPr id="55" name="Google Shape;1114;p38">
-            <a:extLst>
-              <a:ext uri="{FF2B5EF4-FFF2-40B4-BE49-F238E27FC236}">
-                <a16:creationId xmlns:a16="http://schemas.microsoft.com/office/drawing/2014/main" id="{3483AAB5-FFAA-F14F-F512-9823BEAC28EE}"/>
-              </a:ext>
-            </a:extLst>
-          </p:cNvPr>
+          <p:cNvPr id="55" name="Google Shape;1114;p38"/>
           <p:cNvGrpSpPr/>
           <p:nvPr/>
         </p:nvGrpSpPr>
@@ -18531,13 +18180,7 @@
         </p:grpSpPr>
         <p:sp>
           <p:nvSpPr>
-            <p:cNvPr id="56" name="Google Shape;1115;p38">
-              <a:extLst>
-                <a:ext uri="{FF2B5EF4-FFF2-40B4-BE49-F238E27FC236}">
-                  <a16:creationId xmlns:a16="http://schemas.microsoft.com/office/drawing/2014/main" id="{FBC0008C-ADD0-17BB-73E4-73CED6FF7C53}"/>
-                </a:ext>
-              </a:extLst>
-            </p:cNvPr>
+            <p:cNvPr id="56" name="Google Shape;1115;p38"/>
             <p:cNvSpPr/>
             <p:nvPr/>
           </p:nvSpPr>
@@ -18616,6 +18259,15 @@
                 </a:rPr>
                 <a:t>Some websites sell datasets in foreign countries:</a:t>
               </a:r>
+              <a:endParaRPr lang="en-US" sz="1200" dirty="0">
+                <a:solidFill>
+                  <a:schemeClr val="bg1"/>
+                </a:solidFill>
+                <a:latin typeface="Roboto"/>
+                <a:ea typeface="Roboto"/>
+                <a:cs typeface="Roboto"/>
+                <a:sym typeface="Roboto"/>
+              </a:endParaRPr>
             </a:p>
             <a:p>
               <a:pPr algn="ctr"/>
@@ -18633,13 +18285,7 @@
         </p:sp>
         <p:sp>
           <p:nvSpPr>
-            <p:cNvPr id="57" name="Google Shape;1116;p38">
-              <a:extLst>
-                <a:ext uri="{FF2B5EF4-FFF2-40B4-BE49-F238E27FC236}">
-                  <a16:creationId xmlns:a16="http://schemas.microsoft.com/office/drawing/2014/main" id="{BA5D2D94-BEF7-2B96-E10D-2F209E54F0FF}"/>
-                </a:ext>
-              </a:extLst>
-            </p:cNvPr>
+            <p:cNvPr id="57" name="Google Shape;1116;p38"/>
             <p:cNvSpPr/>
             <p:nvPr/>
           </p:nvSpPr>
@@ -18706,7 +18352,7 @@
             <a:lstStyle/>
             <a:p>
               <a:pPr algn="ctr"/>
-              <a:endParaRPr sz="1867" dirty="0">
+              <a:endParaRPr sz="1865" dirty="0">
                 <a:latin typeface="Fira Sans Extra Condensed Medium"/>
                 <a:ea typeface="Fira Sans Extra Condensed Medium"/>
                 <a:cs typeface="Fira Sans Extra Condensed Medium"/>
@@ -18717,13 +18363,7 @@
         </p:sp>
         <p:sp>
           <p:nvSpPr>
-            <p:cNvPr id="58" name="Google Shape;1117;p38">
-              <a:extLst>
-                <a:ext uri="{FF2B5EF4-FFF2-40B4-BE49-F238E27FC236}">
-                  <a16:creationId xmlns:a16="http://schemas.microsoft.com/office/drawing/2014/main" id="{DB5325B6-B64F-92B6-AD1C-338AD8D88056}"/>
-                </a:ext>
-              </a:extLst>
-            </p:cNvPr>
+            <p:cNvPr id="58" name="Google Shape;1117;p38"/>
             <p:cNvSpPr/>
             <p:nvPr/>
           </p:nvSpPr>
@@ -18788,7 +18428,7 @@
                 <a:buSzPts val="1100"/>
               </a:pPr>
               <a:r>
-                <a:rPr lang="en" sz="2100" dirty="0">
+                <a:rPr lang="en-GB" sz="2100" dirty="0">
                   <a:solidFill>
                     <a:schemeClr val="accent2">
                       <a:lumMod val="50000"/>
@@ -18818,13 +18458,7 @@
       </p:grpSp>
       <p:sp>
         <p:nvSpPr>
-          <p:cNvPr id="60" name="Google Shape;1026;p36">
-            <a:extLst>
-              <a:ext uri="{FF2B5EF4-FFF2-40B4-BE49-F238E27FC236}">
-                <a16:creationId xmlns:a16="http://schemas.microsoft.com/office/drawing/2014/main" id="{3172437D-94D6-E76C-5CC3-FEAFCBF55F43}"/>
-              </a:ext>
-            </a:extLst>
-          </p:cNvPr>
+          <p:cNvPr id="60" name="Google Shape;1026;p36"/>
           <p:cNvSpPr/>
           <p:nvPr/>
         </p:nvSpPr>
@@ -18899,7 +18533,7 @@
                 <a:ea typeface="Roboto"/>
                 <a:cs typeface="Roboto"/>
                 <a:sym typeface="Roboto"/>
-                <a:hlinkClick r:id="rId5"/>
+                <a:hlinkClick r:id="rId3"/>
               </a:rPr>
               <a:t>https://datarade.ai/</a:t>
             </a:r>
@@ -18931,7 +18565,7 @@
                 <a:latin typeface="Roboto" panose="02000000000000000000" pitchFamily="2" charset="0"/>
                 <a:ea typeface="Roboto" panose="02000000000000000000" pitchFamily="2" charset="0"/>
                 <a:cs typeface="Roboto" panose="02000000000000000000" pitchFamily="2" charset="0"/>
-                <a:hlinkClick r:id="rId6"/>
+                <a:hlinkClick r:id="rId4"/>
               </a:rPr>
               <a:t>(clickworker.com)</a:t>
             </a:r>
@@ -18949,13 +18583,7 @@
       </p:sp>
       <p:sp>
         <p:nvSpPr>
-          <p:cNvPr id="61" name="Google Shape;170;p17">
-            <a:extLst>
-              <a:ext uri="{FF2B5EF4-FFF2-40B4-BE49-F238E27FC236}">
-                <a16:creationId xmlns:a16="http://schemas.microsoft.com/office/drawing/2014/main" id="{F11E2046-734D-71F7-3D22-25E9F00D351B}"/>
-              </a:ext>
-            </a:extLst>
-          </p:cNvPr>
+          <p:cNvPr id="61" name="Google Shape;170;p17"/>
           <p:cNvSpPr/>
           <p:nvPr/>
         </p:nvSpPr>
@@ -19081,19 +18709,13 @@
           </a:bodyPr>
           <a:lstStyle/>
           <a:p>
-            <a:endParaRPr sz="1867"/>
+            <a:endParaRPr sz="1865"/>
           </a:p>
         </p:txBody>
       </p:sp>
       <p:sp>
         <p:nvSpPr>
-          <p:cNvPr id="62" name="Google Shape;822;p32">
-            <a:extLst>
-              <a:ext uri="{FF2B5EF4-FFF2-40B4-BE49-F238E27FC236}">
-                <a16:creationId xmlns:a16="http://schemas.microsoft.com/office/drawing/2014/main" id="{75514941-4267-E898-4E60-85905F2CCA9B}"/>
-              </a:ext>
-            </a:extLst>
-          </p:cNvPr>
+          <p:cNvPr id="62" name="Google Shape;822;p32"/>
           <p:cNvSpPr/>
           <p:nvPr/>
         </p:nvSpPr>
@@ -19159,6 +18781,15 @@
               </a:rPr>
               <a:t>+ They don't have module to create chatbot</a:t>
             </a:r>
+            <a:endParaRPr lang="en-US" sz="1200" dirty="0">
+              <a:solidFill>
+                <a:srgbClr val="FFFFFF"/>
+              </a:solidFill>
+              <a:latin typeface="Roboto"/>
+              <a:ea typeface="Roboto"/>
+              <a:cs typeface="Roboto"/>
+              <a:sym typeface="Roboto"/>
+            </a:endParaRPr>
           </a:p>
           <a:p>
             <a:pPr>
@@ -19179,18 +18810,21 @@
               </a:rPr>
               <a:t>+ Data preprocessing takes a lot of time and effort</a:t>
             </a:r>
+            <a:endParaRPr lang="en-US" sz="1200" dirty="0">
+              <a:solidFill>
+                <a:srgbClr val="FFFFFF"/>
+              </a:solidFill>
+              <a:latin typeface="Roboto"/>
+              <a:ea typeface="Roboto"/>
+              <a:cs typeface="Roboto"/>
+              <a:sym typeface="Roboto"/>
+            </a:endParaRPr>
           </a:p>
         </p:txBody>
       </p:sp>
       <p:grpSp>
         <p:nvGrpSpPr>
-          <p:cNvPr id="1089" name="Google Shape;388;p22">
-            <a:extLst>
-              <a:ext uri="{FF2B5EF4-FFF2-40B4-BE49-F238E27FC236}">
-                <a16:creationId xmlns:a16="http://schemas.microsoft.com/office/drawing/2014/main" id="{FA0F6496-6221-AD64-F541-ECA8AD42F8E5}"/>
-              </a:ext>
-            </a:extLst>
-          </p:cNvPr>
+          <p:cNvPr id="1089" name="Google Shape;388;p22"/>
           <p:cNvGrpSpPr/>
           <p:nvPr/>
         </p:nvGrpSpPr>
@@ -19204,13 +18838,7 @@
         </p:grpSpPr>
         <p:sp>
           <p:nvSpPr>
-            <p:cNvPr id="1090" name="Google Shape;389;p22">
-              <a:extLst>
-                <a:ext uri="{FF2B5EF4-FFF2-40B4-BE49-F238E27FC236}">
-                  <a16:creationId xmlns:a16="http://schemas.microsoft.com/office/drawing/2014/main" id="{F6F07905-FD5B-DD28-C9E9-BB61EE4B8750}"/>
-                </a:ext>
-              </a:extLst>
-            </p:cNvPr>
+            <p:cNvPr id="1090" name="Google Shape;389;p22"/>
             <p:cNvSpPr/>
             <p:nvPr/>
           </p:nvSpPr>
@@ -19331,19 +18959,13 @@
             </a:bodyPr>
             <a:lstStyle/>
             <a:p>
-              <a:endParaRPr sz="1867"/>
+              <a:endParaRPr sz="1865"/>
             </a:p>
           </p:txBody>
         </p:sp>
         <p:sp>
           <p:nvSpPr>
-            <p:cNvPr id="1091" name="Google Shape;390;p22">
-              <a:extLst>
-                <a:ext uri="{FF2B5EF4-FFF2-40B4-BE49-F238E27FC236}">
-                  <a16:creationId xmlns:a16="http://schemas.microsoft.com/office/drawing/2014/main" id="{E98DADEE-1F7C-6A6F-6C43-CFC2FAC9453E}"/>
-                </a:ext>
-              </a:extLst>
-            </p:cNvPr>
+            <p:cNvPr id="1091" name="Google Shape;390;p22"/>
             <p:cNvSpPr/>
             <p:nvPr/>
           </p:nvSpPr>
@@ -19392,19 +19014,13 @@
             </a:bodyPr>
             <a:lstStyle/>
             <a:p>
-              <a:endParaRPr sz="1867"/>
+              <a:endParaRPr sz="1865"/>
             </a:p>
           </p:txBody>
         </p:sp>
         <p:sp>
           <p:nvSpPr>
-            <p:cNvPr id="1092" name="Google Shape;391;p22">
-              <a:extLst>
-                <a:ext uri="{FF2B5EF4-FFF2-40B4-BE49-F238E27FC236}">
-                  <a16:creationId xmlns:a16="http://schemas.microsoft.com/office/drawing/2014/main" id="{EBF3F66E-7FF4-F8AD-D5A4-8A06CC17D396}"/>
-                </a:ext>
-              </a:extLst>
-            </p:cNvPr>
+            <p:cNvPr id="1092" name="Google Shape;391;p22"/>
             <p:cNvSpPr/>
             <p:nvPr/>
           </p:nvSpPr>
@@ -19453,19 +19069,13 @@
             </a:bodyPr>
             <a:lstStyle/>
             <a:p>
-              <a:endParaRPr sz="1867"/>
+              <a:endParaRPr sz="1865"/>
             </a:p>
           </p:txBody>
         </p:sp>
         <p:sp>
           <p:nvSpPr>
-            <p:cNvPr id="1093" name="Google Shape;392;p22">
-              <a:extLst>
-                <a:ext uri="{FF2B5EF4-FFF2-40B4-BE49-F238E27FC236}">
-                  <a16:creationId xmlns:a16="http://schemas.microsoft.com/office/drawing/2014/main" id="{FFA9A3FC-CE56-BD38-F1C7-0366C57CD2A2}"/>
-                </a:ext>
-              </a:extLst>
-            </p:cNvPr>
+            <p:cNvPr id="1093" name="Google Shape;392;p22"/>
             <p:cNvSpPr/>
             <p:nvPr/>
           </p:nvSpPr>
@@ -19514,19 +19124,13 @@
             </a:bodyPr>
             <a:lstStyle/>
             <a:p>
-              <a:endParaRPr sz="1867"/>
+              <a:endParaRPr sz="1865"/>
             </a:p>
           </p:txBody>
         </p:sp>
         <p:sp>
           <p:nvSpPr>
-            <p:cNvPr id="1094" name="Google Shape;393;p22">
-              <a:extLst>
-                <a:ext uri="{FF2B5EF4-FFF2-40B4-BE49-F238E27FC236}">
-                  <a16:creationId xmlns:a16="http://schemas.microsoft.com/office/drawing/2014/main" id="{C285E0A0-A0AD-3808-B48F-73BD0B9DC547}"/>
-                </a:ext>
-              </a:extLst>
-            </p:cNvPr>
+            <p:cNvPr id="1094" name="Google Shape;393;p22"/>
             <p:cNvSpPr/>
             <p:nvPr/>
           </p:nvSpPr>
@@ -19575,19 +19179,13 @@
             </a:bodyPr>
             <a:lstStyle/>
             <a:p>
-              <a:endParaRPr sz="1867"/>
+              <a:endParaRPr sz="1865"/>
             </a:p>
           </p:txBody>
         </p:sp>
         <p:sp>
           <p:nvSpPr>
-            <p:cNvPr id="1095" name="Google Shape;394;p22">
-              <a:extLst>
-                <a:ext uri="{FF2B5EF4-FFF2-40B4-BE49-F238E27FC236}">
-                  <a16:creationId xmlns:a16="http://schemas.microsoft.com/office/drawing/2014/main" id="{CC81E4CE-52B7-A4D2-A217-D7C3DDC7F1D2}"/>
-                </a:ext>
-              </a:extLst>
-            </p:cNvPr>
+            <p:cNvPr id="1095" name="Google Shape;394;p22"/>
             <p:cNvSpPr/>
             <p:nvPr/>
           </p:nvSpPr>
@@ -19636,19 +19234,13 @@
             </a:bodyPr>
             <a:lstStyle/>
             <a:p>
-              <a:endParaRPr sz="1867"/>
+              <a:endParaRPr sz="1865"/>
             </a:p>
           </p:txBody>
         </p:sp>
         <p:sp>
           <p:nvSpPr>
-            <p:cNvPr id="1096" name="Google Shape;395;p22">
-              <a:extLst>
-                <a:ext uri="{FF2B5EF4-FFF2-40B4-BE49-F238E27FC236}">
-                  <a16:creationId xmlns:a16="http://schemas.microsoft.com/office/drawing/2014/main" id="{F024F69F-26A9-673E-87FE-25A7B1E0F87C}"/>
-                </a:ext>
-              </a:extLst>
-            </p:cNvPr>
+            <p:cNvPr id="1096" name="Google Shape;395;p22"/>
             <p:cNvSpPr/>
             <p:nvPr/>
           </p:nvSpPr>
@@ -19697,19 +19289,13 @@
             </a:bodyPr>
             <a:lstStyle/>
             <a:p>
-              <a:endParaRPr sz="1867"/>
+              <a:endParaRPr sz="1865"/>
             </a:p>
           </p:txBody>
         </p:sp>
         <p:sp>
           <p:nvSpPr>
-            <p:cNvPr id="1097" name="Google Shape;396;p22">
-              <a:extLst>
-                <a:ext uri="{FF2B5EF4-FFF2-40B4-BE49-F238E27FC236}">
-                  <a16:creationId xmlns:a16="http://schemas.microsoft.com/office/drawing/2014/main" id="{FC093E96-34F1-79B7-066D-28B3AE4C6416}"/>
-                </a:ext>
-              </a:extLst>
-            </p:cNvPr>
+            <p:cNvPr id="1097" name="Google Shape;396;p22"/>
             <p:cNvSpPr/>
             <p:nvPr/>
           </p:nvSpPr>
@@ -19830,19 +19416,13 @@
             </a:bodyPr>
             <a:lstStyle/>
             <a:p>
-              <a:endParaRPr sz="1867"/>
+              <a:endParaRPr sz="1865"/>
             </a:p>
           </p:txBody>
         </p:sp>
         <p:grpSp>
           <p:nvGrpSpPr>
-            <p:cNvPr id="1098" name="Google Shape;397;p22">
-              <a:extLst>
-                <a:ext uri="{FF2B5EF4-FFF2-40B4-BE49-F238E27FC236}">
-                  <a16:creationId xmlns:a16="http://schemas.microsoft.com/office/drawing/2014/main" id="{518163D6-ECE4-33D5-8F49-2591E0764EBE}"/>
-                </a:ext>
-              </a:extLst>
-            </p:cNvPr>
+            <p:cNvPr id="1098" name="Google Shape;397;p22"/>
             <p:cNvGrpSpPr/>
             <p:nvPr/>
           </p:nvGrpSpPr>
@@ -19856,13 +19436,7 @@
           </p:grpSpPr>
           <p:sp>
             <p:nvSpPr>
-              <p:cNvPr id="1128" name="Google Shape;398;p22">
-                <a:extLst>
-                  <a:ext uri="{FF2B5EF4-FFF2-40B4-BE49-F238E27FC236}">
-                    <a16:creationId xmlns:a16="http://schemas.microsoft.com/office/drawing/2014/main" id="{0850FC20-DF16-579C-DF68-A9C0AE03AE9D}"/>
-                  </a:ext>
-                </a:extLst>
-              </p:cNvPr>
+              <p:cNvPr id="1128" name="Google Shape;398;p22"/>
               <p:cNvSpPr/>
               <p:nvPr/>
             </p:nvSpPr>
@@ -19938,19 +19512,13 @@
               </a:bodyPr>
               <a:lstStyle/>
               <a:p>
-                <a:endParaRPr sz="1867"/>
+                <a:endParaRPr sz="1865"/>
               </a:p>
             </p:txBody>
           </p:sp>
           <p:sp>
             <p:nvSpPr>
-              <p:cNvPr id="1129" name="Google Shape;399;p22">
-                <a:extLst>
-                  <a:ext uri="{FF2B5EF4-FFF2-40B4-BE49-F238E27FC236}">
-                    <a16:creationId xmlns:a16="http://schemas.microsoft.com/office/drawing/2014/main" id="{D945AD1C-40A3-85B1-3FCE-AEB9A703B930}"/>
-                  </a:ext>
-                </a:extLst>
-              </p:cNvPr>
+              <p:cNvPr id="1129" name="Google Shape;399;p22"/>
               <p:cNvSpPr/>
               <p:nvPr/>
             </p:nvSpPr>
@@ -20011,20 +19579,14 @@
               </a:bodyPr>
               <a:lstStyle/>
               <a:p>
-                <a:endParaRPr sz="1867"/>
+                <a:endParaRPr sz="1865"/>
               </a:p>
             </p:txBody>
           </p:sp>
         </p:grpSp>
         <p:sp>
           <p:nvSpPr>
-            <p:cNvPr id="1099" name="Google Shape;400;p22">
-              <a:extLst>
-                <a:ext uri="{FF2B5EF4-FFF2-40B4-BE49-F238E27FC236}">
-                  <a16:creationId xmlns:a16="http://schemas.microsoft.com/office/drawing/2014/main" id="{3E21BF1C-D91E-0877-D3AD-3CA7C563D0E5}"/>
-                </a:ext>
-              </a:extLst>
-            </p:cNvPr>
+            <p:cNvPr id="1099" name="Google Shape;400;p22"/>
             <p:cNvSpPr/>
             <p:nvPr/>
           </p:nvSpPr>
@@ -20094,19 +19656,13 @@
             </a:bodyPr>
             <a:lstStyle/>
             <a:p>
-              <a:endParaRPr sz="1867"/>
+              <a:endParaRPr sz="1865"/>
             </a:p>
           </p:txBody>
         </p:sp>
         <p:sp>
           <p:nvSpPr>
-            <p:cNvPr id="1100" name="Google Shape;401;p22">
-              <a:extLst>
-                <a:ext uri="{FF2B5EF4-FFF2-40B4-BE49-F238E27FC236}">
-                  <a16:creationId xmlns:a16="http://schemas.microsoft.com/office/drawing/2014/main" id="{7E8E4157-A0FA-161F-38D2-D253943D3E6E}"/>
-                </a:ext>
-              </a:extLst>
-            </p:cNvPr>
+            <p:cNvPr id="1100" name="Google Shape;401;p22"/>
             <p:cNvSpPr/>
             <p:nvPr/>
           </p:nvSpPr>
@@ -20173,19 +19729,13 @@
             </a:bodyPr>
             <a:lstStyle/>
             <a:p>
-              <a:endParaRPr sz="1867"/>
+              <a:endParaRPr sz="1865"/>
             </a:p>
           </p:txBody>
         </p:sp>
         <p:grpSp>
           <p:nvGrpSpPr>
-            <p:cNvPr id="1101" name="Google Shape;402;p22">
-              <a:extLst>
-                <a:ext uri="{FF2B5EF4-FFF2-40B4-BE49-F238E27FC236}">
-                  <a16:creationId xmlns:a16="http://schemas.microsoft.com/office/drawing/2014/main" id="{10436DFC-F0DE-A1ED-9054-1AC6863C959E}"/>
-                </a:ext>
-              </a:extLst>
-            </p:cNvPr>
+            <p:cNvPr id="1101" name="Google Shape;402;p22"/>
             <p:cNvGrpSpPr/>
             <p:nvPr/>
           </p:nvGrpSpPr>
@@ -20199,13 +19749,7 @@
           </p:grpSpPr>
           <p:sp>
             <p:nvSpPr>
-              <p:cNvPr id="1126" name="Google Shape;403;p22">
-                <a:extLst>
-                  <a:ext uri="{FF2B5EF4-FFF2-40B4-BE49-F238E27FC236}">
-                    <a16:creationId xmlns:a16="http://schemas.microsoft.com/office/drawing/2014/main" id="{656E223A-B502-CAEE-7202-929D914B9DE2}"/>
-                  </a:ext>
-                </a:extLst>
-              </p:cNvPr>
+              <p:cNvPr id="1126" name="Google Shape;403;p22"/>
               <p:cNvSpPr/>
               <p:nvPr/>
             </p:nvSpPr>
@@ -20281,19 +19825,13 @@
               </a:bodyPr>
               <a:lstStyle/>
               <a:p>
-                <a:endParaRPr sz="1867"/>
+                <a:endParaRPr sz="1865"/>
               </a:p>
             </p:txBody>
           </p:sp>
           <p:sp>
             <p:nvSpPr>
-              <p:cNvPr id="1127" name="Google Shape;404;p22">
-                <a:extLst>
-                  <a:ext uri="{FF2B5EF4-FFF2-40B4-BE49-F238E27FC236}">
-                    <a16:creationId xmlns:a16="http://schemas.microsoft.com/office/drawing/2014/main" id="{9E89A285-B2A4-020C-4A5D-10A6D77E8ACD}"/>
-                  </a:ext>
-                </a:extLst>
-              </p:cNvPr>
+              <p:cNvPr id="1127" name="Google Shape;404;p22"/>
               <p:cNvSpPr/>
               <p:nvPr/>
             </p:nvSpPr>
@@ -20361,20 +19899,14 @@
               </a:bodyPr>
               <a:lstStyle/>
               <a:p>
-                <a:endParaRPr sz="1867"/>
+                <a:endParaRPr sz="1865"/>
               </a:p>
             </p:txBody>
           </p:sp>
         </p:grpSp>
         <p:grpSp>
           <p:nvGrpSpPr>
-            <p:cNvPr id="1102" name="Google Shape;405;p22">
-              <a:extLst>
-                <a:ext uri="{FF2B5EF4-FFF2-40B4-BE49-F238E27FC236}">
-                  <a16:creationId xmlns:a16="http://schemas.microsoft.com/office/drawing/2014/main" id="{57B56621-5E87-A17C-673A-E77128E6F959}"/>
-                </a:ext>
-              </a:extLst>
-            </p:cNvPr>
+            <p:cNvPr id="1102" name="Google Shape;405;p22"/>
             <p:cNvGrpSpPr/>
             <p:nvPr/>
           </p:nvGrpSpPr>
@@ -20388,13 +19920,7 @@
           </p:grpSpPr>
           <p:sp>
             <p:nvSpPr>
-              <p:cNvPr id="1124" name="Google Shape;406;p22">
-                <a:extLst>
-                  <a:ext uri="{FF2B5EF4-FFF2-40B4-BE49-F238E27FC236}">
-                    <a16:creationId xmlns:a16="http://schemas.microsoft.com/office/drawing/2014/main" id="{01F5ABEF-0275-FE82-9B33-74C05B903B65}"/>
-                  </a:ext>
-                </a:extLst>
-              </p:cNvPr>
+              <p:cNvPr id="1124" name="Google Shape;406;p22"/>
               <p:cNvSpPr/>
               <p:nvPr/>
             </p:nvSpPr>
@@ -20460,19 +19986,13 @@
               </a:bodyPr>
               <a:lstStyle/>
               <a:p>
-                <a:endParaRPr sz="1867"/>
+                <a:endParaRPr sz="1865"/>
               </a:p>
             </p:txBody>
           </p:sp>
           <p:sp>
             <p:nvSpPr>
-              <p:cNvPr id="1125" name="Google Shape;407;p22">
-                <a:extLst>
-                  <a:ext uri="{FF2B5EF4-FFF2-40B4-BE49-F238E27FC236}">
-                    <a16:creationId xmlns:a16="http://schemas.microsoft.com/office/drawing/2014/main" id="{BF664C1C-7A14-3A27-4070-A252939A4A19}"/>
-                  </a:ext>
-                </a:extLst>
-              </p:cNvPr>
+              <p:cNvPr id="1125" name="Google Shape;407;p22"/>
               <p:cNvSpPr/>
               <p:nvPr/>
             </p:nvSpPr>
@@ -20545,7 +20065,7 @@
               </a:bodyPr>
               <a:lstStyle/>
               <a:p>
-                <a:endParaRPr sz="1867"/>
+                <a:endParaRPr sz="1865"/>
               </a:p>
             </p:txBody>
           </p:sp>
@@ -20553,13 +20073,7 @@
       </p:grpSp>
       <p:sp>
         <p:nvSpPr>
-          <p:cNvPr id="1130" name="Google Shape;520;p25">
-            <a:extLst>
-              <a:ext uri="{FF2B5EF4-FFF2-40B4-BE49-F238E27FC236}">
-                <a16:creationId xmlns:a16="http://schemas.microsoft.com/office/drawing/2014/main" id="{4480E819-4DF1-F9C8-0CE4-7940748225DB}"/>
-              </a:ext>
-            </a:extLst>
-          </p:cNvPr>
+          <p:cNvPr id="1130" name="Google Shape;520;p25"/>
           <p:cNvSpPr/>
           <p:nvPr/>
         </p:nvSpPr>
@@ -20622,18 +20136,20 @@
               </a:rPr>
               <a:t>PARALLEL DEVELOPMENT OF 2 MODULES WILL BE EFFICIENT</a:t>
             </a:r>
+            <a:endParaRPr lang="en-US" sz="1500" b="1" dirty="0">
+              <a:solidFill>
+                <a:schemeClr val="bg1"/>
+              </a:solidFill>
+              <a:latin typeface="Roboto" panose="02000000000000000000" pitchFamily="2" charset="0"/>
+              <a:ea typeface="Roboto" panose="02000000000000000000" pitchFamily="2" charset="0"/>
+              <a:cs typeface="Roboto" panose="02000000000000000000" pitchFamily="2" charset="0"/>
+            </a:endParaRPr>
           </a:p>
         </p:txBody>
       </p:sp>
       <p:grpSp>
         <p:nvGrpSpPr>
-          <p:cNvPr id="1132" name="Google Shape;203;p18">
-            <a:extLst>
-              <a:ext uri="{FF2B5EF4-FFF2-40B4-BE49-F238E27FC236}">
-                <a16:creationId xmlns:a16="http://schemas.microsoft.com/office/drawing/2014/main" id="{95AD5A7D-46E9-D429-D0E6-56EB3B654C14}"/>
-              </a:ext>
-            </a:extLst>
-          </p:cNvPr>
+          <p:cNvPr id="1132" name="Google Shape;203;p18"/>
           <p:cNvGrpSpPr/>
           <p:nvPr/>
         </p:nvGrpSpPr>
@@ -20652,13 +20168,7 @@
         </p:grpSpPr>
         <p:sp>
           <p:nvSpPr>
-            <p:cNvPr id="1133" name="Google Shape;204;p18">
-              <a:extLst>
-                <a:ext uri="{FF2B5EF4-FFF2-40B4-BE49-F238E27FC236}">
-                  <a16:creationId xmlns:a16="http://schemas.microsoft.com/office/drawing/2014/main" id="{02CA2ADD-5138-989D-7295-4936ADAF681F}"/>
-                </a:ext>
-              </a:extLst>
-            </p:cNvPr>
+            <p:cNvPr id="1133" name="Google Shape;204;p18"/>
             <p:cNvSpPr/>
             <p:nvPr/>
           </p:nvSpPr>
@@ -20683,19 +20193,13 @@
             </a:bodyPr>
             <a:lstStyle/>
             <a:p>
-              <a:endParaRPr sz="1867"/>
+              <a:endParaRPr sz="1865"/>
             </a:p>
           </p:txBody>
         </p:sp>
         <p:sp>
           <p:nvSpPr>
-            <p:cNvPr id="1134" name="Google Shape;205;p18">
-              <a:extLst>
-                <a:ext uri="{FF2B5EF4-FFF2-40B4-BE49-F238E27FC236}">
-                  <a16:creationId xmlns:a16="http://schemas.microsoft.com/office/drawing/2014/main" id="{8CC58629-BD56-5422-DCD4-699C42AE679C}"/>
-                </a:ext>
-              </a:extLst>
-            </p:cNvPr>
+            <p:cNvPr id="1134" name="Google Shape;205;p18"/>
             <p:cNvSpPr txBox="1"/>
             <p:nvPr/>
           </p:nvSpPr>
@@ -20719,7 +20223,7 @@
             <a:lstStyle/>
             <a:p>
               <a:r>
-                <a:rPr lang="en" sz="1500" b="1" dirty="0">
+                <a:rPr lang="en-GB" sz="1500" b="1" dirty="0">
                   <a:solidFill>
                     <a:srgbClr val="FFFFFF"/>
                   </a:solidFill>
@@ -20744,13 +20248,7 @@
         </p:sp>
         <p:sp>
           <p:nvSpPr>
-            <p:cNvPr id="1135" name="Google Shape;206;p18">
-              <a:extLst>
-                <a:ext uri="{FF2B5EF4-FFF2-40B4-BE49-F238E27FC236}">
-                  <a16:creationId xmlns:a16="http://schemas.microsoft.com/office/drawing/2014/main" id="{99A711DA-DBD5-FDD9-B006-E72D5B9FAB11}"/>
-                </a:ext>
-              </a:extLst>
-            </p:cNvPr>
+            <p:cNvPr id="1135" name="Google Shape;206;p18"/>
             <p:cNvSpPr txBox="1"/>
             <p:nvPr/>
           </p:nvSpPr>
@@ -20775,7 +20273,7 @@
             <a:p>
               <a:pPr algn="r"/>
               <a:r>
-                <a:rPr lang="en" sz="2400">
+                <a:rPr lang="en-GB" sz="2400">
                   <a:solidFill>
                     <a:srgbClr val="FFFFFF"/>
                   </a:solidFill>
@@ -20800,13 +20298,7 @@
         </p:sp>
         <p:sp>
           <p:nvSpPr>
-            <p:cNvPr id="1137" name="Google Shape;208;p18">
-              <a:extLst>
-                <a:ext uri="{FF2B5EF4-FFF2-40B4-BE49-F238E27FC236}">
-                  <a16:creationId xmlns:a16="http://schemas.microsoft.com/office/drawing/2014/main" id="{B5D8D429-80A7-22EF-41C1-ECB6F6DC3B6F}"/>
-                </a:ext>
-              </a:extLst>
-            </p:cNvPr>
+            <p:cNvPr id="1137" name="Google Shape;208;p18"/>
             <p:cNvSpPr/>
             <p:nvPr/>
           </p:nvSpPr>
@@ -20858,7 +20350,7 @@
             </a:bodyPr>
             <a:lstStyle/>
             <a:p>
-              <a:endParaRPr sz="1867" dirty="0"/>
+              <a:endParaRPr sz="1865" dirty="0"/>
             </a:p>
           </p:txBody>
         </p:sp>
@@ -21130,20 +20622,14 @@
       </p:grpSpPr>
       <p:pic>
         <p:nvPicPr>
-          <p:cNvPr id="4" name="Picture 3">
-            <a:extLst>
-              <a:ext uri="{FF2B5EF4-FFF2-40B4-BE49-F238E27FC236}">
-                <a16:creationId xmlns:a16="http://schemas.microsoft.com/office/drawing/2014/main" id="{8D67EE98-EEC1-37E9-DD01-86349028CA9B}"/>
-              </a:ext>
-            </a:extLst>
-          </p:cNvPr>
+          <p:cNvPr id="4" name="Picture 3"/>
           <p:cNvPicPr>
             <a:picLocks noChangeAspect="1"/>
           </p:cNvPicPr>
           <p:nvPr/>
         </p:nvPicPr>
         <p:blipFill>
-          <a:blip r:embed="rId2"/>
+          <a:blip r:embed="rId1"/>
           <a:stretch>
             <a:fillRect/>
           </a:stretch>
@@ -21160,16 +20646,8 @@
       </p:pic>
       <p:sp>
         <p:nvSpPr>
-          <p:cNvPr id="5" name="Google Shape;55;p15">
-            <a:extLst>
-              <a:ext uri="{FF2B5EF4-FFF2-40B4-BE49-F238E27FC236}">
-                <a16:creationId xmlns:a16="http://schemas.microsoft.com/office/drawing/2014/main" id="{B385821B-D4E9-DDD6-A6AF-30A82E28118C}"/>
-              </a:ext>
-            </a:extLst>
-          </p:cNvPr>
-          <p:cNvSpPr txBox="1">
-            <a:spLocks/>
-          </p:cNvSpPr>
+          <p:cNvPr id="5" name="Google Shape;55;p15"/>
+          <p:cNvSpPr txBox="1"/>
           <p:nvPr/>
         </p:nvSpPr>
         <p:spPr>
@@ -21448,15 +20926,17 @@
               </a:rPr>
               <a:t>Thanks for Listening</a:t>
             </a:r>
+            <a:endParaRPr lang="en-US" sz="5600" b="1" dirty="0">
+              <a:solidFill>
+                <a:schemeClr val="accent1">
+                  <a:lumMod val="50000"/>
+                </a:schemeClr>
+              </a:solidFill>
+            </a:endParaRPr>
           </a:p>
         </p:txBody>
       </p:sp>
     </p:spTree>
-    <p:extLst>
-      <p:ext uri="{BB962C8B-B14F-4D97-AF65-F5344CB8AC3E}">
-        <p14:creationId xmlns:p14="http://schemas.microsoft.com/office/powerpoint/2010/main" val="202495197"/>
-      </p:ext>
-    </p:extLst>
   </p:cSld>
   <p:clrMapOvr>
     <a:masterClrMapping/>
@@ -21740,8 +21220,11 @@
       </a:bgFillStyleLst>
     </a:fmtScheme>
   </a:themeElements>
-  <a:objectDefaults/>
-  <a:extraClrSchemeLst/>
+  <a:extLst>
+    <a:ext uri="{05A4C25C-085E-4340-85A3-A5531E510DB2}">
+      <thm15:themeFamily xmlns:thm15="http://schemas.microsoft.com/office/thememl/2012/main" name="Office Theme" id="{62F939B6-93AF-4DB8-9C6B-D6C7DFDC589F}" vid="{4A3C46E8-61CC-4603-A589-7422A47A8E4A}"/>
+    </a:ext>
+  </a:extLst>
 </a:theme>
 </file>
 
@@ -22021,7 +21504,10 @@
       </a:bgFillStyleLst>
     </a:fmtScheme>
   </a:themeElements>
-  <a:objectDefaults/>
-  <a:extraClrSchemeLst/>
+  <a:extLst>
+    <a:ext uri="{05A4C25C-085E-4340-85A3-A5531E510DB2}">
+      <thm15:themeFamily xmlns:thm15="http://schemas.microsoft.com/office/thememl/2012/main" name="Office Theme" id="{62F939B6-93AF-4DB8-9C6B-D6C7DFDC589F}" vid="{4A3C46E8-61CC-4603-A589-7422A47A8E4A}"/>
+    </a:ext>
+  </a:extLst>
 </a:theme>
 </file>